--- a/docs/pptx/weekly progress week3.pptx
+++ b/docs/pptx/weekly progress week3.pptx
@@ -5,7 +5,7 @@
     <p:sldMasterId id="2147483648" r:id="rId1"/>
   </p:sldMasterIdLst>
   <p:notesMasterIdLst>
-    <p:notesMasterId r:id="rId15"/>
+    <p:notesMasterId r:id="rId14"/>
   </p:notesMasterIdLst>
   <p:sldIdLst>
     <p:sldId id="258" r:id="rId2"/>
@@ -15,30 +15,29 @@
     <p:sldId id="289" r:id="rId6"/>
     <p:sldId id="286" r:id="rId7"/>
     <p:sldId id="290" r:id="rId8"/>
-    <p:sldId id="291" r:id="rId9"/>
-    <p:sldId id="287" r:id="rId10"/>
-    <p:sldId id="292" r:id="rId11"/>
-    <p:sldId id="283" r:id="rId12"/>
-    <p:sldId id="284" r:id="rId13"/>
-    <p:sldId id="256" r:id="rId14"/>
+    <p:sldId id="287" r:id="rId9"/>
+    <p:sldId id="292" r:id="rId10"/>
+    <p:sldId id="283" r:id="rId11"/>
+    <p:sldId id="284" r:id="rId12"/>
+    <p:sldId id="256" r:id="rId13"/>
   </p:sldIdLst>
   <p:sldSz cx="12192000" cy="6858000"/>
   <p:notesSz cx="6858000" cy="9144000"/>
   <p:embeddedFontLst>
     <p:embeddedFont>
-      <p:font typeface="나눔고딕" panose="020D0604000000000000" pitchFamily="50" charset="-127"/>
-      <p:regular r:id="rId16"/>
-      <p:bold r:id="rId17"/>
+      <p:font typeface="Georgia Pro Cond Light" panose="02040306050405020303" pitchFamily="18" charset="0"/>
+      <p:regular r:id="rId15"/>
+      <p:italic r:id="rId16"/>
+    </p:embeddedFont>
+    <p:embeddedFont>
+      <p:font typeface="나눔고딕" pitchFamily="2" charset="-127"/>
+      <p:regular r:id="rId17"/>
+      <p:bold r:id="rId18"/>
     </p:embeddedFont>
     <p:embeddedFont>
       <p:font typeface="맑은 고딕" panose="020B0503020000020004" pitchFamily="50" charset="-127"/>
-      <p:regular r:id="rId18"/>
-      <p:bold r:id="rId19"/>
-    </p:embeddedFont>
-    <p:embeddedFont>
-      <p:font typeface="Georgia Pro Cond Light" panose="02040306050405020303" pitchFamily="18" charset="0"/>
-      <p:regular r:id="rId20"/>
-      <p:italic r:id="rId21"/>
+      <p:regular r:id="rId19"/>
+      <p:bold r:id="rId20"/>
     </p:embeddedFont>
   </p:embeddedFontLst>
   <p:defaultTextStyle>
@@ -238,7 +237,7 @@
           <a:p>
             <a:fld id="{24CB679B-6990-4FD7-9D0F-597A336680FE}" type="datetimeFigureOut">
               <a:rPr lang="ko-KR" altLang="en-US" smtClean="0"/>
-              <a:t>2021-10-25</a:t>
+              <a:t>2021-10-26</a:t>
             </a:fld>
             <a:endParaRPr lang="ko-KR" altLang="en-US"/>
           </a:p>
@@ -589,90 +588,6 @@
 </p:notes>
 </file>
 
-<file path=ppt/notesSlides/notesSlide10.xml><?xml version="1.0" encoding="utf-8"?>
-<p:notes xmlns:a="http://schemas.openxmlformats.org/drawingml/2006/main" xmlns:r="http://schemas.openxmlformats.org/officeDocument/2006/relationships" xmlns:p="http://schemas.openxmlformats.org/presentationml/2006/main">
-  <p:cSld>
-    <p:spTree>
-      <p:nvGrpSpPr>
-        <p:cNvPr id="1" name=""/>
-        <p:cNvGrpSpPr/>
-        <p:nvPr/>
-      </p:nvGrpSpPr>
-      <p:grpSpPr>
-        <a:xfrm>
-          <a:off x="0" y="0"/>
-          <a:ext cx="0" cy="0"/>
-          <a:chOff x="0" y="0"/>
-          <a:chExt cx="0" cy="0"/>
-        </a:xfrm>
-      </p:grpSpPr>
-      <p:sp>
-        <p:nvSpPr>
-          <p:cNvPr id="2" name="슬라이드 이미지 개체 틀 1"/>
-          <p:cNvSpPr>
-            <a:spLocks noGrp="1" noRot="1" noChangeAspect="1"/>
-          </p:cNvSpPr>
-          <p:nvPr>
-            <p:ph type="sldImg"/>
-          </p:nvPr>
-        </p:nvSpPr>
-        <p:spPr/>
-      </p:sp>
-      <p:sp>
-        <p:nvSpPr>
-          <p:cNvPr id="3" name="슬라이드 노트 개체 틀 2"/>
-          <p:cNvSpPr>
-            <a:spLocks noGrp="1"/>
-          </p:cNvSpPr>
-          <p:nvPr>
-            <p:ph type="body" idx="1"/>
-          </p:nvPr>
-        </p:nvSpPr>
-        <p:spPr/>
-        <p:txBody>
-          <a:bodyPr/>
-          <a:lstStyle/>
-          <a:p>
-            <a:endParaRPr lang="ko-KR" altLang="en-US" dirty="0"/>
-          </a:p>
-        </p:txBody>
-      </p:sp>
-      <p:sp>
-        <p:nvSpPr>
-          <p:cNvPr id="4" name="슬라이드 번호 개체 틀 3"/>
-          <p:cNvSpPr>
-            <a:spLocks noGrp="1"/>
-          </p:cNvSpPr>
-          <p:nvPr>
-            <p:ph type="sldNum" sz="quarter" idx="5"/>
-          </p:nvPr>
-        </p:nvSpPr>
-        <p:spPr/>
-        <p:txBody>
-          <a:bodyPr/>
-          <a:lstStyle/>
-          <a:p>
-            <a:fld id="{C12D52BE-EEAD-4C22-89C4-B3E9371DB7AA}" type="slidenum">
-              <a:rPr lang="ko-KR" altLang="en-US" smtClean="0"/>
-              <a:t>12</a:t>
-            </a:fld>
-            <a:endParaRPr lang="ko-KR" altLang="en-US"/>
-          </a:p>
-        </p:txBody>
-      </p:sp>
-    </p:spTree>
-    <p:extLst>
-      <p:ext uri="{BB962C8B-B14F-4D97-AF65-F5344CB8AC3E}">
-        <p14:creationId xmlns:p14="http://schemas.microsoft.com/office/powerpoint/2010/main" val="3444408472"/>
-      </p:ext>
-    </p:extLst>
-  </p:cSld>
-  <p:clrMapOvr>
-    <a:masterClrMapping/>
-  </p:clrMapOvr>
-</p:notes>
-</file>
-
 <file path=ppt/notesSlides/notesSlide2.xml><?xml version="1.0" encoding="utf-8"?>
 <p:notes xmlns:a="http://schemas.openxmlformats.org/drawingml/2006/main" xmlns:r="http://schemas.openxmlformats.org/officeDocument/2006/relationships" xmlns:p="http://schemas.openxmlformats.org/presentationml/2006/main">
   <p:cSld>
@@ -1698,6 +1613,355 @@
           <a:bodyPr/>
           <a:lstStyle/>
           <a:p>
+            <a:pPr rtl="0">
+              <a:spcBef>
+                <a:spcPts val="0"/>
+              </a:spcBef>
+              <a:spcAft>
+                <a:spcPts val="0"/>
+              </a:spcAft>
+            </a:pPr>
+            <a:r>
+              <a:rPr lang="en-US" altLang="ko-KR" sz="1800" b="0" i="0" u="none" strike="noStrike" dirty="0">
+                <a:solidFill>
+                  <a:srgbClr val="000000"/>
+                </a:solidFill>
+                <a:effectLst/>
+                <a:latin typeface="Arial" panose="020B0604020202020204" pitchFamily="34" charset="0"/>
+              </a:rPr>
+              <a:t>React</a:t>
+            </a:r>
+            <a:r>
+              <a:rPr lang="ko-KR" altLang="en-US" sz="1800" b="0" i="0" u="none" strike="noStrike" dirty="0">
+                <a:solidFill>
+                  <a:srgbClr val="000000"/>
+                </a:solidFill>
+                <a:effectLst/>
+                <a:latin typeface="Arial" panose="020B0604020202020204" pitchFamily="34" charset="0"/>
+              </a:rPr>
+              <a:t>로 짜여진 파일을 </a:t>
+            </a:r>
+            <a:r>
+              <a:rPr lang="en-US" altLang="ko-KR" sz="1800" b="0" i="0" u="none" strike="noStrike" dirty="0" err="1">
+                <a:solidFill>
+                  <a:srgbClr val="000000"/>
+                </a:solidFill>
+                <a:effectLst/>
+                <a:latin typeface="Arial" panose="020B0604020202020204" pitchFamily="34" charset="0"/>
+              </a:rPr>
+              <a:t>npm</a:t>
+            </a:r>
+            <a:r>
+              <a:rPr lang="en-US" altLang="ko-KR" sz="1800" b="0" i="0" u="none" strike="noStrike" dirty="0">
+                <a:solidFill>
+                  <a:srgbClr val="000000"/>
+                </a:solidFill>
+                <a:effectLst/>
+                <a:latin typeface="Arial" panose="020B0604020202020204" pitchFamily="34" charset="0"/>
+              </a:rPr>
+              <a:t> run build </a:t>
+            </a:r>
+            <a:r>
+              <a:rPr lang="ko-KR" altLang="en-US" sz="1800" b="0" i="0" u="none" strike="noStrike" dirty="0">
+                <a:solidFill>
+                  <a:srgbClr val="000000"/>
+                </a:solidFill>
+                <a:effectLst/>
+                <a:latin typeface="Arial" panose="020B0604020202020204" pitchFamily="34" charset="0"/>
+              </a:rPr>
+              <a:t>명령어를 실행 후 </a:t>
+            </a:r>
+            <a:r>
+              <a:rPr lang="en-US" altLang="ko-KR" sz="1800" b="0" i="0" u="none" strike="noStrike" dirty="0">
+                <a:solidFill>
+                  <a:srgbClr val="000000"/>
+                </a:solidFill>
+                <a:effectLst/>
+                <a:latin typeface="Arial" panose="020B0604020202020204" pitchFamily="34" charset="0"/>
+              </a:rPr>
+              <a:t>React</a:t>
+            </a:r>
+            <a:r>
+              <a:rPr lang="ko-KR" altLang="en-US" sz="1800" b="0" i="0" u="none" strike="noStrike" dirty="0">
+                <a:solidFill>
+                  <a:srgbClr val="000000"/>
+                </a:solidFill>
+                <a:effectLst/>
+                <a:latin typeface="Arial" panose="020B0604020202020204" pitchFamily="34" charset="0"/>
+              </a:rPr>
+              <a:t>와 </a:t>
+            </a:r>
+            <a:r>
+              <a:rPr lang="en-US" altLang="ko-KR" sz="1800" b="0" i="0" u="none" strike="noStrike" dirty="0">
+                <a:solidFill>
+                  <a:srgbClr val="000000"/>
+                </a:solidFill>
+                <a:effectLst/>
+                <a:latin typeface="Arial" panose="020B0604020202020204" pitchFamily="34" charset="0"/>
+              </a:rPr>
+              <a:t>Node JS</a:t>
+            </a:r>
+            <a:r>
+              <a:rPr lang="ko-KR" altLang="en-US" sz="1800" b="0" i="0" u="none" strike="noStrike" dirty="0">
+                <a:solidFill>
+                  <a:srgbClr val="000000"/>
+                </a:solidFill>
+                <a:effectLst/>
+                <a:latin typeface="Arial" panose="020B0604020202020204" pitchFamily="34" charset="0"/>
+              </a:rPr>
+              <a:t>를 연결하여서 </a:t>
+            </a:r>
+            <a:r>
+              <a:rPr lang="en-US" altLang="ko-KR" sz="1800" b="0" i="0" u="none" strike="noStrike" dirty="0">
+                <a:solidFill>
+                  <a:srgbClr val="000000"/>
+                </a:solidFill>
+                <a:effectLst/>
+                <a:latin typeface="Arial" panose="020B0604020202020204" pitchFamily="34" charset="0"/>
+              </a:rPr>
+              <a:t>Node JS</a:t>
+            </a:r>
+            <a:r>
+              <a:rPr lang="ko-KR" altLang="en-US" sz="1800" b="0" i="0" u="none" strike="noStrike" dirty="0">
+                <a:solidFill>
+                  <a:srgbClr val="000000"/>
+                </a:solidFill>
+                <a:effectLst/>
+                <a:latin typeface="Arial" panose="020B0604020202020204" pitchFamily="34" charset="0"/>
+              </a:rPr>
+              <a:t>의 실행 서버인 </a:t>
+            </a:r>
+            <a:r>
+              <a:rPr lang="en-US" altLang="ko-KR" sz="1800" b="0" i="0" u="none" strike="noStrike" dirty="0">
+                <a:solidFill>
+                  <a:srgbClr val="000000"/>
+                </a:solidFill>
+                <a:effectLst/>
+                <a:latin typeface="Arial" panose="020B0604020202020204" pitchFamily="34" charset="0"/>
+              </a:rPr>
+              <a:t>local:8080</a:t>
+            </a:r>
+            <a:r>
+              <a:rPr lang="ko-KR" altLang="en-US" sz="1800" b="0" i="0" u="none" strike="noStrike" dirty="0">
+                <a:solidFill>
+                  <a:srgbClr val="000000"/>
+                </a:solidFill>
+                <a:effectLst/>
+                <a:latin typeface="Arial" panose="020B0604020202020204" pitchFamily="34" charset="0"/>
+              </a:rPr>
+              <a:t>을 실행하면 </a:t>
+            </a:r>
+            <a:r>
+              <a:rPr lang="en-US" altLang="ko-KR" sz="1800" b="0" i="0" u="none" strike="noStrike" dirty="0">
+                <a:solidFill>
+                  <a:srgbClr val="000000"/>
+                </a:solidFill>
+                <a:effectLst/>
+                <a:latin typeface="Arial" panose="020B0604020202020204" pitchFamily="34" charset="0"/>
+              </a:rPr>
+              <a:t>React</a:t>
+            </a:r>
+            <a:r>
+              <a:rPr lang="ko-KR" altLang="en-US" sz="1800" b="0" i="0" u="none" strike="noStrike" dirty="0">
+                <a:solidFill>
+                  <a:srgbClr val="000000"/>
+                </a:solidFill>
+                <a:effectLst/>
+                <a:latin typeface="Arial" panose="020B0604020202020204" pitchFamily="34" charset="0"/>
+              </a:rPr>
+              <a:t>의 </a:t>
+            </a:r>
+            <a:r>
+              <a:rPr lang="en-US" altLang="ko-KR" sz="1800" b="0" i="0" u="none" strike="noStrike" dirty="0">
+                <a:solidFill>
+                  <a:srgbClr val="000000"/>
+                </a:solidFill>
+                <a:effectLst/>
+                <a:latin typeface="Arial" panose="020B0604020202020204" pitchFamily="34" charset="0"/>
+              </a:rPr>
+              <a:t>Component</a:t>
+            </a:r>
+            <a:r>
+              <a:rPr lang="ko-KR" altLang="en-US" sz="1800" b="0" i="0" u="none" strike="noStrike" dirty="0">
+                <a:solidFill>
+                  <a:srgbClr val="000000"/>
+                </a:solidFill>
+                <a:effectLst/>
+                <a:latin typeface="Arial" panose="020B0604020202020204" pitchFamily="34" charset="0"/>
+              </a:rPr>
+              <a:t>들이 나타난다</a:t>
+            </a:r>
+            <a:r>
+              <a:rPr lang="en-US" altLang="ko-KR" sz="1800" b="0" i="0" u="none" strike="noStrike" dirty="0">
+                <a:solidFill>
+                  <a:srgbClr val="000000"/>
+                </a:solidFill>
+                <a:effectLst/>
+                <a:latin typeface="Arial" panose="020B0604020202020204" pitchFamily="34" charset="0"/>
+              </a:rPr>
+              <a:t>.</a:t>
+            </a:r>
+            <a:endParaRPr lang="ko-KR" altLang="en-US" b="0" dirty="0">
+              <a:effectLst/>
+            </a:endParaRPr>
+          </a:p>
+          <a:p>
+            <a:pPr rtl="0">
+              <a:spcBef>
+                <a:spcPts val="0"/>
+              </a:spcBef>
+              <a:spcAft>
+                <a:spcPts val="0"/>
+              </a:spcAft>
+            </a:pPr>
+            <a:r>
+              <a:rPr lang="ko-KR" altLang="en-US" sz="1800" b="0" i="0" u="none" strike="noStrike" dirty="0">
+                <a:solidFill>
+                  <a:srgbClr val="000000"/>
+                </a:solidFill>
+                <a:effectLst/>
+                <a:latin typeface="Arial" panose="020B0604020202020204" pitchFamily="34" charset="0"/>
+              </a:rPr>
+              <a:t>다음 그림은 </a:t>
+            </a:r>
+            <a:r>
+              <a:rPr lang="en-US" altLang="ko-KR" sz="1800" b="0" i="0" u="none" strike="noStrike" dirty="0">
+                <a:solidFill>
+                  <a:srgbClr val="000000"/>
+                </a:solidFill>
+                <a:effectLst/>
+                <a:latin typeface="Arial" panose="020B0604020202020204" pitchFamily="34" charset="0"/>
+              </a:rPr>
+              <a:t>React</a:t>
+            </a:r>
+            <a:r>
+              <a:rPr lang="ko-KR" altLang="en-US" sz="1800" b="0" i="0" u="none" strike="noStrike" dirty="0">
+                <a:solidFill>
+                  <a:srgbClr val="000000"/>
+                </a:solidFill>
+                <a:effectLst/>
+                <a:latin typeface="Arial" panose="020B0604020202020204" pitchFamily="34" charset="0"/>
+              </a:rPr>
+              <a:t>에서 </a:t>
+            </a:r>
+            <a:r>
+              <a:rPr lang="en-US" altLang="ko-KR" sz="1800" b="0" i="0" u="none" strike="noStrike" dirty="0">
+                <a:solidFill>
+                  <a:srgbClr val="000000"/>
+                </a:solidFill>
+                <a:effectLst/>
+                <a:latin typeface="Arial" panose="020B0604020202020204" pitchFamily="34" charset="0"/>
+              </a:rPr>
+              <a:t>1111</a:t>
+            </a:r>
+            <a:r>
+              <a:rPr lang="ko-KR" altLang="en-US" sz="1800" b="0" i="0" u="none" strike="noStrike" dirty="0">
+                <a:solidFill>
+                  <a:srgbClr val="000000"/>
+                </a:solidFill>
+                <a:effectLst/>
+                <a:latin typeface="Arial" panose="020B0604020202020204" pitchFamily="34" charset="0"/>
+              </a:rPr>
+              <a:t>을 쓰고 전송 버튼을 누르면 </a:t>
+            </a:r>
+            <a:r>
+              <a:rPr lang="en-US" altLang="ko-KR" sz="1800" b="0" i="0" u="none" strike="noStrike" dirty="0">
+                <a:solidFill>
+                  <a:srgbClr val="000000"/>
+                </a:solidFill>
+                <a:effectLst/>
+                <a:latin typeface="Arial" panose="020B0604020202020204" pitchFamily="34" charset="0"/>
+              </a:rPr>
+              <a:t>post</a:t>
+            </a:r>
+            <a:r>
+              <a:rPr lang="ko-KR" altLang="en-US" sz="1800" b="0" i="0" u="none" strike="noStrike" dirty="0">
+                <a:solidFill>
+                  <a:srgbClr val="000000"/>
+                </a:solidFill>
+                <a:effectLst/>
+                <a:latin typeface="Arial" panose="020B0604020202020204" pitchFamily="34" charset="0"/>
+              </a:rPr>
+              <a:t>방식으로 </a:t>
+            </a:r>
+            <a:r>
+              <a:rPr lang="en-US" altLang="ko-KR" sz="1800" b="0" i="0" u="none" strike="noStrike" dirty="0">
+                <a:solidFill>
+                  <a:srgbClr val="000000"/>
+                </a:solidFill>
+                <a:effectLst/>
+                <a:latin typeface="Arial" panose="020B0604020202020204" pitchFamily="34" charset="0"/>
+              </a:rPr>
+              <a:t>fetch</a:t>
+            </a:r>
+            <a:r>
+              <a:rPr lang="ko-KR" altLang="en-US" sz="1800" b="0" i="0" u="none" strike="noStrike" dirty="0">
+                <a:solidFill>
+                  <a:srgbClr val="000000"/>
+                </a:solidFill>
+                <a:effectLst/>
+                <a:latin typeface="Arial" panose="020B0604020202020204" pitchFamily="34" charset="0"/>
+              </a:rPr>
+              <a:t>라는 함수가 작동되어서 </a:t>
+            </a:r>
+            <a:r>
+              <a:rPr lang="en-US" altLang="ko-KR" sz="1800" b="0" i="0" u="none" strike="noStrike" dirty="0">
+                <a:solidFill>
+                  <a:srgbClr val="000000"/>
+                </a:solidFill>
+                <a:effectLst/>
+                <a:latin typeface="Arial" panose="020B0604020202020204" pitchFamily="34" charset="0"/>
+              </a:rPr>
+              <a:t>Node JS</a:t>
+            </a:r>
+            <a:r>
+              <a:rPr lang="ko-KR" altLang="en-US" sz="1800" b="0" i="0" u="none" strike="noStrike" dirty="0">
+                <a:solidFill>
+                  <a:srgbClr val="000000"/>
+                </a:solidFill>
+                <a:effectLst/>
+                <a:latin typeface="Arial" panose="020B0604020202020204" pitchFamily="34" charset="0"/>
+              </a:rPr>
+              <a:t>로 데이터가 보내지며 </a:t>
+            </a:r>
+            <a:r>
+              <a:rPr lang="en-US" altLang="ko-KR" sz="1800" b="0" i="0" u="none" strike="noStrike" dirty="0">
+                <a:solidFill>
+                  <a:srgbClr val="000000"/>
+                </a:solidFill>
+                <a:effectLst/>
+                <a:latin typeface="Arial" panose="020B0604020202020204" pitchFamily="34" charset="0"/>
+              </a:rPr>
+              <a:t>Node JS</a:t>
+            </a:r>
+            <a:r>
+              <a:rPr lang="ko-KR" altLang="en-US" sz="1800" b="0" i="0" u="none" strike="noStrike" dirty="0">
+                <a:solidFill>
+                  <a:srgbClr val="000000"/>
+                </a:solidFill>
+                <a:effectLst/>
+                <a:latin typeface="Arial" panose="020B0604020202020204" pitchFamily="34" charset="0"/>
+              </a:rPr>
+              <a:t>는 파일에 그 데이터를 저장한다</a:t>
+            </a:r>
+            <a:r>
+              <a:rPr lang="en-US" altLang="ko-KR" sz="1800" b="0" i="0" u="none" strike="noStrike" dirty="0">
+                <a:solidFill>
+                  <a:srgbClr val="000000"/>
+                </a:solidFill>
+                <a:effectLst/>
+                <a:latin typeface="Arial" panose="020B0604020202020204" pitchFamily="34" charset="0"/>
+              </a:rPr>
+              <a:t>.</a:t>
+            </a:r>
+            <a:endParaRPr lang="ko-KR" altLang="en-US" b="0" dirty="0">
+              <a:effectLst/>
+            </a:endParaRPr>
+          </a:p>
+          <a:p>
+            <a:br>
+              <a:rPr lang="ko-KR" altLang="en-US" dirty="0"/>
+            </a:br>
             <a:endParaRPr lang="ko-KR" altLang="en-US" dirty="0"/>
           </a:p>
         </p:txBody>
@@ -1728,7 +1992,7 @@
     </p:spTree>
     <p:extLst>
       <p:ext uri="{BB962C8B-B14F-4D97-AF65-F5344CB8AC3E}">
-        <p14:creationId xmlns:p14="http://schemas.microsoft.com/office/powerpoint/2010/main" val="2226237655"/>
+        <p14:creationId xmlns:p14="http://schemas.microsoft.com/office/powerpoint/2010/main" val="2045547016"/>
       </p:ext>
     </p:extLst>
   </p:cSld>
@@ -1970,7 +2234,7 @@
               </a:rPr>
               <a:t>.</a:t>
             </a:r>
-            <a:endParaRPr lang="ko-KR" altLang="en-US" b="0" dirty="0">
+            <a:endParaRPr lang="ko-KR" altLang="en-US" sz="1800" b="0" dirty="0">
               <a:effectLst/>
             </a:endParaRPr>
           </a:p>
@@ -2112,6 +2376,175 @@
                 <a:latin typeface="Arial" panose="020B0604020202020204" pitchFamily="34" charset="0"/>
               </a:rPr>
               <a:t>는 파일에 그 데이터를 저장한다</a:t>
+            </a:r>
+            <a:r>
+              <a:rPr lang="en-US" altLang="ko-KR" sz="1800" b="0" i="0" u="none" strike="noStrike" dirty="0">
+                <a:solidFill>
+                  <a:srgbClr val="000000"/>
+                </a:solidFill>
+                <a:effectLst/>
+                <a:latin typeface="Arial" panose="020B0604020202020204" pitchFamily="34" charset="0"/>
+              </a:rPr>
+              <a:t>.</a:t>
+            </a:r>
+            <a:endParaRPr lang="ko-KR" altLang="en-US" sz="1800" b="0" dirty="0">
+              <a:effectLst/>
+            </a:endParaRPr>
+          </a:p>
+          <a:p>
+            <a:br>
+              <a:rPr lang="ko-KR" altLang="en-US" sz="1800" dirty="0"/>
+            </a:br>
+            <a:endParaRPr lang="ko-KR" altLang="en-US" sz="1800" dirty="0"/>
+          </a:p>
+          <a:p>
+            <a:pPr rtl="0">
+              <a:spcBef>
+                <a:spcPts val="0"/>
+              </a:spcBef>
+              <a:spcAft>
+                <a:spcPts val="0"/>
+              </a:spcAft>
+            </a:pPr>
+            <a:r>
+              <a:rPr lang="ko-KR" altLang="en-US" sz="1800" b="0" i="0" u="none" strike="noStrike" dirty="0">
+                <a:solidFill>
+                  <a:srgbClr val="000000"/>
+                </a:solidFill>
+                <a:effectLst/>
+                <a:latin typeface="Arial" panose="020B0604020202020204" pitchFamily="34" charset="0"/>
+              </a:rPr>
+              <a:t>받기 버튼을 누르면 </a:t>
+            </a:r>
+            <a:r>
+              <a:rPr lang="en-US" altLang="ko-KR" sz="1800" b="0" i="0" u="none" strike="noStrike" dirty="0">
+                <a:solidFill>
+                  <a:srgbClr val="000000"/>
+                </a:solidFill>
+                <a:effectLst/>
+                <a:latin typeface="Arial" panose="020B0604020202020204" pitchFamily="34" charset="0"/>
+              </a:rPr>
+              <a:t>React</a:t>
+            </a:r>
+            <a:r>
+              <a:rPr lang="ko-KR" altLang="en-US" sz="1800" b="0" i="0" u="none" strike="noStrike" dirty="0">
+                <a:solidFill>
+                  <a:srgbClr val="000000"/>
+                </a:solidFill>
+                <a:effectLst/>
+                <a:latin typeface="Arial" panose="020B0604020202020204" pitchFamily="34" charset="0"/>
+              </a:rPr>
+              <a:t>는 </a:t>
+            </a:r>
+            <a:r>
+              <a:rPr lang="en-US" altLang="ko-KR" sz="1800" b="0" i="0" u="none" strike="noStrike" dirty="0">
+                <a:solidFill>
+                  <a:srgbClr val="000000"/>
+                </a:solidFill>
+                <a:effectLst/>
+                <a:latin typeface="Arial" panose="020B0604020202020204" pitchFamily="34" charset="0"/>
+              </a:rPr>
+              <a:t>Node JS</a:t>
+            </a:r>
+            <a:r>
+              <a:rPr lang="ko-KR" altLang="en-US" sz="1800" b="0" i="0" u="none" strike="noStrike" dirty="0">
+                <a:solidFill>
+                  <a:srgbClr val="000000"/>
+                </a:solidFill>
+                <a:effectLst/>
+                <a:latin typeface="Arial" panose="020B0604020202020204" pitchFamily="34" charset="0"/>
+              </a:rPr>
+              <a:t>로 부터 정보를 </a:t>
+            </a:r>
+            <a:r>
+              <a:rPr lang="en-US" altLang="ko-KR" sz="1800" b="0" i="0" u="none" strike="noStrike" dirty="0">
+                <a:solidFill>
+                  <a:srgbClr val="000000"/>
+                </a:solidFill>
+                <a:effectLst/>
+                <a:latin typeface="Arial" panose="020B0604020202020204" pitchFamily="34" charset="0"/>
+              </a:rPr>
+              <a:t>post</a:t>
+            </a:r>
+            <a:r>
+              <a:rPr lang="ko-KR" altLang="en-US" sz="1800" b="0" i="0" u="none" strike="noStrike" dirty="0">
+                <a:solidFill>
+                  <a:srgbClr val="000000"/>
+                </a:solidFill>
+                <a:effectLst/>
+                <a:latin typeface="Arial" panose="020B0604020202020204" pitchFamily="34" charset="0"/>
+              </a:rPr>
+              <a:t>방식으로 요청하고  </a:t>
+            </a:r>
+            <a:r>
+              <a:rPr lang="en-US" altLang="ko-KR" sz="1800" b="0" i="0" u="none" strike="noStrike" dirty="0">
+                <a:solidFill>
+                  <a:srgbClr val="000000"/>
+                </a:solidFill>
+                <a:effectLst/>
+                <a:latin typeface="Arial" panose="020B0604020202020204" pitchFamily="34" charset="0"/>
+              </a:rPr>
+              <a:t>Node JS</a:t>
+            </a:r>
+            <a:r>
+              <a:rPr lang="ko-KR" altLang="en-US" sz="1800" b="0" i="0" u="none" strike="noStrike" dirty="0">
+                <a:solidFill>
+                  <a:srgbClr val="000000"/>
+                </a:solidFill>
+                <a:effectLst/>
+                <a:latin typeface="Arial" panose="020B0604020202020204" pitchFamily="34" charset="0"/>
+              </a:rPr>
+              <a:t>에서 </a:t>
+            </a:r>
+            <a:r>
+              <a:rPr lang="en-US" altLang="ko-KR" sz="1800" b="0" i="0" u="none" strike="noStrike" dirty="0" err="1">
+                <a:solidFill>
+                  <a:srgbClr val="000000"/>
+                </a:solidFill>
+                <a:effectLst/>
+                <a:latin typeface="Arial" panose="020B0604020202020204" pitchFamily="34" charset="0"/>
+              </a:rPr>
+              <a:t>res.send</a:t>
+            </a:r>
+            <a:r>
+              <a:rPr lang="en-US" altLang="ko-KR" sz="1800" b="0" i="0" u="none" strike="noStrike" dirty="0">
+                <a:solidFill>
+                  <a:srgbClr val="000000"/>
+                </a:solidFill>
+                <a:effectLst/>
+                <a:latin typeface="Arial" panose="020B0604020202020204" pitchFamily="34" charset="0"/>
+              </a:rPr>
+              <a:t>()</a:t>
+            </a:r>
+            <a:r>
+              <a:rPr lang="ko-KR" altLang="en-US" sz="1800" b="0" i="0" u="none" strike="noStrike" dirty="0">
+                <a:solidFill>
+                  <a:srgbClr val="000000"/>
+                </a:solidFill>
+                <a:effectLst/>
+                <a:latin typeface="Arial" panose="020B0604020202020204" pitchFamily="34" charset="0"/>
+              </a:rPr>
+              <a:t>를 통해서 파일안에 있는 데이터를 </a:t>
+            </a:r>
+            <a:r>
+              <a:rPr lang="en-US" altLang="ko-KR" sz="1800" b="0" i="0" u="none" strike="noStrike" dirty="0">
+                <a:solidFill>
+                  <a:srgbClr val="000000"/>
+                </a:solidFill>
+                <a:effectLst/>
+                <a:latin typeface="Arial" panose="020B0604020202020204" pitchFamily="34" charset="0"/>
+              </a:rPr>
+              <a:t>React</a:t>
+            </a:r>
+            <a:r>
+              <a:rPr lang="ko-KR" altLang="en-US" sz="1800" b="0" i="0" u="none" strike="noStrike" dirty="0">
+                <a:solidFill>
+                  <a:srgbClr val="000000"/>
+                </a:solidFill>
+                <a:effectLst/>
+                <a:latin typeface="Arial" panose="020B0604020202020204" pitchFamily="34" charset="0"/>
+              </a:rPr>
+              <a:t>로 보내준다</a:t>
             </a:r>
             <a:r>
               <a:rPr lang="en-US" altLang="ko-KR" sz="1800" b="0" i="0" u="none" strike="noStrike" dirty="0">
@@ -2161,7 +2594,7 @@
     </p:spTree>
     <p:extLst>
       <p:ext uri="{BB962C8B-B14F-4D97-AF65-F5344CB8AC3E}">
-        <p14:creationId xmlns:p14="http://schemas.microsoft.com/office/powerpoint/2010/main" val="2045547016"/>
+        <p14:creationId xmlns:p14="http://schemas.microsoft.com/office/powerpoint/2010/main" val="2882555256"/>
       </p:ext>
     </p:extLst>
   </p:cSld>
@@ -2215,173 +2648,234 @@
           <a:bodyPr/>
           <a:lstStyle/>
           <a:p>
-            <a:pPr rtl="0">
-              <a:spcBef>
-                <a:spcPts val="0"/>
-              </a:spcBef>
-              <a:spcAft>
-                <a:spcPts val="0"/>
-              </a:spcAft>
-            </a:pPr>
-            <a:r>
-              <a:rPr lang="ko-KR" altLang="en-US" sz="1800" b="0" i="0" u="none" strike="noStrike" dirty="0">
-                <a:solidFill>
-                  <a:srgbClr val="000000"/>
-                </a:solidFill>
-                <a:effectLst/>
-                <a:latin typeface="Arial" panose="020B0604020202020204" pitchFamily="34" charset="0"/>
-              </a:rPr>
-              <a:t>받기 버튼을 누르면 </a:t>
-            </a:r>
-            <a:r>
-              <a:rPr lang="en-US" altLang="ko-KR" sz="1800" b="0" i="0" u="none" strike="noStrike" dirty="0">
-                <a:solidFill>
-                  <a:srgbClr val="000000"/>
-                </a:solidFill>
-                <a:effectLst/>
-                <a:latin typeface="Arial" panose="020B0604020202020204" pitchFamily="34" charset="0"/>
-              </a:rPr>
-              <a:t>React</a:t>
-            </a:r>
-            <a:r>
-              <a:rPr lang="ko-KR" altLang="en-US" sz="1800" b="0" i="0" u="none" strike="noStrike" dirty="0">
-                <a:solidFill>
-                  <a:srgbClr val="000000"/>
-                </a:solidFill>
-                <a:effectLst/>
-                <a:latin typeface="Arial" panose="020B0604020202020204" pitchFamily="34" charset="0"/>
-              </a:rPr>
-              <a:t>는 </a:t>
-            </a:r>
-            <a:r>
-              <a:rPr lang="en-US" altLang="ko-KR" sz="1800" b="0" i="0" u="none" strike="noStrike" dirty="0">
-                <a:solidFill>
-                  <a:srgbClr val="000000"/>
-                </a:solidFill>
-                <a:effectLst/>
-                <a:latin typeface="Arial" panose="020B0604020202020204" pitchFamily="34" charset="0"/>
-              </a:rPr>
-              <a:t>Node JS</a:t>
-            </a:r>
-            <a:r>
-              <a:rPr lang="ko-KR" altLang="en-US" sz="1800" b="0" i="0" u="none" strike="noStrike" dirty="0">
-                <a:solidFill>
-                  <a:srgbClr val="000000"/>
-                </a:solidFill>
-                <a:effectLst/>
-                <a:latin typeface="Arial" panose="020B0604020202020204" pitchFamily="34" charset="0"/>
-              </a:rPr>
-              <a:t>로 부터 정보를 </a:t>
-            </a:r>
-            <a:r>
-              <a:rPr lang="en-US" altLang="ko-KR" sz="1800" b="0" i="0" u="none" strike="noStrike" dirty="0">
-                <a:solidFill>
-                  <a:srgbClr val="000000"/>
-                </a:solidFill>
-                <a:effectLst/>
-                <a:latin typeface="Arial" panose="020B0604020202020204" pitchFamily="34" charset="0"/>
-              </a:rPr>
-              <a:t>post</a:t>
-            </a:r>
-            <a:r>
-              <a:rPr lang="ko-KR" altLang="en-US" sz="1800" b="0" i="0" u="none" strike="noStrike" dirty="0">
-                <a:solidFill>
-                  <a:srgbClr val="000000"/>
-                </a:solidFill>
-                <a:effectLst/>
-                <a:latin typeface="Arial" panose="020B0604020202020204" pitchFamily="34" charset="0"/>
-              </a:rPr>
-              <a:t>방식으로 요청하고  </a:t>
-            </a:r>
-            <a:r>
-              <a:rPr lang="en-US" altLang="ko-KR" sz="1800" b="0" i="0" u="none" strike="noStrike" dirty="0">
-                <a:solidFill>
-                  <a:srgbClr val="000000"/>
-                </a:solidFill>
-                <a:effectLst/>
-                <a:latin typeface="Arial" panose="020B0604020202020204" pitchFamily="34" charset="0"/>
-              </a:rPr>
-              <a:t>Node JS</a:t>
-            </a:r>
-            <a:r>
-              <a:rPr lang="ko-KR" altLang="en-US" sz="1800" b="0" i="0" u="none" strike="noStrike" dirty="0">
-                <a:solidFill>
-                  <a:srgbClr val="000000"/>
-                </a:solidFill>
-                <a:effectLst/>
-                <a:latin typeface="Arial" panose="020B0604020202020204" pitchFamily="34" charset="0"/>
-              </a:rPr>
-              <a:t>에서 </a:t>
-            </a:r>
-            <a:r>
-              <a:rPr lang="en-US" altLang="ko-KR" sz="1800" b="0" i="0" u="none" strike="noStrike" dirty="0" err="1">
-                <a:solidFill>
-                  <a:srgbClr val="000000"/>
-                </a:solidFill>
-                <a:effectLst/>
-                <a:latin typeface="Arial" panose="020B0604020202020204" pitchFamily="34" charset="0"/>
-              </a:rPr>
-              <a:t>res.send</a:t>
-            </a:r>
-            <a:r>
-              <a:rPr lang="en-US" altLang="ko-KR" sz="1800" b="0" i="0" u="none" strike="noStrike" dirty="0">
-                <a:solidFill>
-                  <a:srgbClr val="000000"/>
-                </a:solidFill>
-                <a:effectLst/>
-                <a:latin typeface="Arial" panose="020B0604020202020204" pitchFamily="34" charset="0"/>
-              </a:rPr>
-              <a:t>()</a:t>
-            </a:r>
-            <a:r>
-              <a:rPr lang="ko-KR" altLang="en-US" sz="1800" b="0" i="0" u="none" strike="noStrike" dirty="0">
-                <a:solidFill>
-                  <a:srgbClr val="000000"/>
-                </a:solidFill>
-                <a:effectLst/>
-                <a:latin typeface="Arial" panose="020B0604020202020204" pitchFamily="34" charset="0"/>
-              </a:rPr>
-              <a:t>를 통해서 파일안에 있는 데이터를 </a:t>
-            </a:r>
-            <a:r>
-              <a:rPr lang="en-US" altLang="ko-KR" sz="1800" b="0" i="0" u="none" strike="noStrike" dirty="0">
-                <a:solidFill>
-                  <a:srgbClr val="000000"/>
-                </a:solidFill>
-                <a:effectLst/>
-                <a:latin typeface="Arial" panose="020B0604020202020204" pitchFamily="34" charset="0"/>
-              </a:rPr>
-              <a:t>React</a:t>
-            </a:r>
-            <a:r>
-              <a:rPr lang="ko-KR" altLang="en-US" sz="1800" b="0" i="0" u="none" strike="noStrike" dirty="0">
-                <a:solidFill>
-                  <a:srgbClr val="000000"/>
-                </a:solidFill>
-                <a:effectLst/>
-                <a:latin typeface="Arial" panose="020B0604020202020204" pitchFamily="34" charset="0"/>
-              </a:rPr>
-              <a:t>로 보내준다</a:t>
-            </a:r>
-            <a:r>
-              <a:rPr lang="en-US" altLang="ko-KR" sz="1800" b="0" i="0" u="none" strike="noStrike" dirty="0">
-                <a:solidFill>
-                  <a:srgbClr val="000000"/>
-                </a:solidFill>
-                <a:effectLst/>
-                <a:latin typeface="Arial" panose="020B0604020202020204" pitchFamily="34" charset="0"/>
-              </a:rPr>
+            <a:r>
+              <a:rPr lang="ko-KR" altLang="en-US" dirty="0"/>
+              <a:t>클라이언트는 작성한 </a:t>
+            </a:r>
+            <a:r>
+              <a:rPr lang="en-US" altLang="ko-KR" dirty="0"/>
+              <a:t>template </a:t>
+            </a:r>
+            <a:r>
+              <a:rPr lang="ko-KR" altLang="en-US" dirty="0"/>
+              <a:t>파일과 이메일</a:t>
+            </a:r>
+            <a:r>
+              <a:rPr lang="en-US" altLang="ko-KR" dirty="0"/>
+              <a:t> </a:t>
+            </a:r>
+            <a:r>
+              <a:rPr lang="ko-KR" altLang="en-US" dirty="0"/>
+              <a:t>및 요구사항 등의 데이터를 </a:t>
+            </a:r>
+            <a:r>
+              <a:rPr lang="ko-KR" altLang="en-US" dirty="0" err="1"/>
+              <a:t>리엑트로</a:t>
+            </a:r>
+            <a:r>
+              <a:rPr lang="ko-KR" altLang="en-US" dirty="0"/>
+              <a:t> 구현된 웹사이트에 입력하고</a:t>
+            </a:r>
+            <a:r>
+              <a:rPr lang="en-US" altLang="ko-KR" dirty="0"/>
+              <a:t> submit </a:t>
+            </a:r>
+            <a:r>
+              <a:rPr lang="ko-KR" altLang="en-US" dirty="0"/>
+              <a:t>버튼을 누른다</a:t>
+            </a:r>
+            <a:r>
+              <a:rPr lang="en-US" altLang="ko-KR" dirty="0"/>
               <a:t>.</a:t>
             </a:r>
-            <a:endParaRPr lang="ko-KR" altLang="en-US" b="0" dirty="0">
-              <a:effectLst/>
-            </a:endParaRPr>
           </a:p>
           <a:p>
-            <a:br>
+            <a:r>
+              <a:rPr lang="en-US" altLang="ko-KR" dirty="0"/>
+              <a:t>Submit </a:t>
+            </a:r>
+            <a:r>
               <a:rPr lang="ko-KR" altLang="en-US" dirty="0"/>
-            </a:br>
-            <a:endParaRPr lang="ko-KR" altLang="en-US" dirty="0"/>
+              <a:t>버튼을 누르면 데이터와 파일이 </a:t>
+            </a:r>
+            <a:r>
+              <a:rPr lang="ko-KR" altLang="en-US" dirty="0" err="1"/>
+              <a:t>리엑트를</a:t>
+            </a:r>
+            <a:r>
+              <a:rPr lang="ko-KR" altLang="en-US" dirty="0"/>
+              <a:t> 통해 </a:t>
+            </a:r>
+            <a:r>
+              <a:rPr lang="en-US" altLang="ko-KR" dirty="0" err="1"/>
+              <a:t>nodejs</a:t>
+            </a:r>
+            <a:r>
+              <a:rPr lang="ko-KR" altLang="en-US" dirty="0"/>
+              <a:t>로 전송되어 저장된다</a:t>
+            </a:r>
+            <a:r>
+              <a:rPr lang="en-US" altLang="ko-KR" dirty="0"/>
+              <a:t>. </a:t>
+            </a:r>
+          </a:p>
+          <a:p>
+            <a:r>
+              <a:rPr lang="ko-KR" altLang="en-US" dirty="0"/>
+              <a:t>폰트 제작을 위한 </a:t>
+            </a:r>
+            <a:r>
+              <a:rPr lang="ko-KR" altLang="en-US" dirty="0" err="1"/>
+              <a:t>머신러닝을</a:t>
+            </a:r>
+            <a:r>
+              <a:rPr lang="ko-KR" altLang="en-US" dirty="0"/>
+              <a:t> 진행하기 위해 저장된 </a:t>
+            </a:r>
+            <a:r>
+              <a:rPr lang="en-US" altLang="ko-KR" dirty="0"/>
+              <a:t>template </a:t>
+            </a:r>
+            <a:r>
+              <a:rPr lang="ko-KR" altLang="en-US" dirty="0"/>
+              <a:t>파일의 위치를 파이썬 작업이 가능한 플라스크 서버로 전송한다</a:t>
+            </a:r>
+            <a:r>
+              <a:rPr lang="en-US" altLang="ko-KR" dirty="0"/>
+              <a:t>.</a:t>
+            </a:r>
+          </a:p>
+          <a:p>
+            <a:r>
+              <a:rPr lang="ko-KR" altLang="en-US" dirty="0"/>
+              <a:t>이때 </a:t>
+            </a:r>
+            <a:r>
+              <a:rPr lang="en-US" altLang="ko-KR" dirty="0" err="1"/>
+              <a:t>nodejs</a:t>
+            </a:r>
+            <a:r>
+              <a:rPr lang="en-US" altLang="ko-KR" dirty="0"/>
+              <a:t> </a:t>
+            </a:r>
+            <a:r>
+              <a:rPr lang="ko-KR" altLang="en-US" dirty="0"/>
+              <a:t>서버와 </a:t>
+            </a:r>
+            <a:r>
+              <a:rPr lang="en-US" altLang="ko-KR" dirty="0"/>
+              <a:t>flask</a:t>
+            </a:r>
+            <a:r>
+              <a:rPr lang="ko-KR" altLang="en-US" dirty="0"/>
+              <a:t>서버는 </a:t>
+            </a:r>
+            <a:r>
+              <a:rPr lang="en-US" altLang="ko-KR" dirty="0"/>
+              <a:t>rest </a:t>
+            </a:r>
+            <a:r>
+              <a:rPr lang="en-US" altLang="ko-KR" dirty="0" err="1"/>
+              <a:t>api</a:t>
+            </a:r>
+            <a:r>
+              <a:rPr lang="ko-KR" altLang="en-US" dirty="0"/>
+              <a:t>를 통해 통신한다</a:t>
+            </a:r>
+            <a:r>
+              <a:rPr lang="en-US" altLang="ko-KR" dirty="0"/>
+              <a:t>.</a:t>
+            </a:r>
+          </a:p>
+          <a:p>
+            <a:r>
+              <a:rPr lang="ko-KR" altLang="en-US" dirty="0"/>
+              <a:t>통신을 위해 </a:t>
+            </a:r>
+            <a:r>
+              <a:rPr lang="en-US" altLang="ko-KR" dirty="0"/>
+              <a:t>flask</a:t>
+            </a:r>
+            <a:r>
+              <a:rPr lang="ko-KR" altLang="en-US" dirty="0"/>
+              <a:t>에서는 </a:t>
+            </a:r>
+            <a:r>
+              <a:rPr lang="en-US" altLang="ko-KR" dirty="0" err="1"/>
+              <a:t>flask_restx</a:t>
+            </a:r>
+            <a:r>
+              <a:rPr lang="ko-KR" altLang="en-US" dirty="0"/>
+              <a:t>라는 라이브러리를 사용하고</a:t>
+            </a:r>
+            <a:r>
+              <a:rPr lang="en-US" altLang="ko-KR" dirty="0"/>
+              <a:t>, </a:t>
+            </a:r>
+            <a:r>
+              <a:rPr lang="en-US" altLang="ko-KR" dirty="0" err="1"/>
+              <a:t>nodejs</a:t>
+            </a:r>
+            <a:r>
+              <a:rPr lang="ko-KR" altLang="en-US" dirty="0"/>
+              <a:t>에서는 </a:t>
+            </a:r>
+            <a:r>
+              <a:rPr lang="en-US" altLang="ko-KR" dirty="0" err="1"/>
+              <a:t>axios</a:t>
+            </a:r>
+            <a:r>
+              <a:rPr lang="en-US" altLang="ko-KR" dirty="0"/>
+              <a:t> </a:t>
+            </a:r>
+            <a:r>
+              <a:rPr lang="ko-KR" altLang="en-US" dirty="0"/>
+              <a:t>라이브러리를 사용한다</a:t>
+            </a:r>
+            <a:r>
+              <a:rPr lang="en-US" altLang="ko-KR" dirty="0"/>
+              <a:t>.</a:t>
+            </a:r>
+          </a:p>
+          <a:p>
+            <a:r>
+              <a:rPr lang="en-US" altLang="ko-KR" dirty="0"/>
+              <a:t>Flask </a:t>
+            </a:r>
+            <a:r>
+              <a:rPr lang="ko-KR" altLang="en-US" dirty="0"/>
+              <a:t>서버는 머신 러닝 작업을 수행 후 결과값의 저장 경로를 </a:t>
+            </a:r>
+            <a:r>
+              <a:rPr lang="en-US" altLang="ko-KR" dirty="0" err="1"/>
+              <a:t>nodejs</a:t>
+            </a:r>
+            <a:r>
+              <a:rPr lang="en-US" altLang="ko-KR" dirty="0"/>
+              <a:t> </a:t>
+            </a:r>
+            <a:r>
+              <a:rPr lang="ko-KR" altLang="en-US" dirty="0"/>
+              <a:t>서버에 </a:t>
+            </a:r>
+            <a:r>
+              <a:rPr lang="en-US" altLang="ko-KR" dirty="0"/>
+              <a:t>post</a:t>
+            </a:r>
+            <a:r>
+              <a:rPr lang="ko-KR" altLang="en-US" dirty="0"/>
+              <a:t>한다</a:t>
+            </a:r>
+            <a:r>
+              <a:rPr lang="en-US" altLang="ko-KR" dirty="0"/>
+              <a:t>.</a:t>
+            </a:r>
+          </a:p>
+          <a:p>
+            <a:endParaRPr lang="en-US" altLang="ko-KR" dirty="0"/>
+          </a:p>
+          <a:p>
+            <a:endParaRPr lang="en-US" altLang="ko-KR" dirty="0"/>
           </a:p>
         </p:txBody>
       </p:sp>
@@ -2411,7 +2905,7 @@
     </p:spTree>
     <p:extLst>
       <p:ext uri="{BB962C8B-B14F-4D97-AF65-F5344CB8AC3E}">
-        <p14:creationId xmlns:p14="http://schemas.microsoft.com/office/powerpoint/2010/main" val="2882555256"/>
+        <p14:creationId xmlns:p14="http://schemas.microsoft.com/office/powerpoint/2010/main" val="1680172411"/>
       </p:ext>
     </p:extLst>
   </p:cSld>
@@ -2465,234 +2959,7 @@
           <a:bodyPr/>
           <a:lstStyle/>
           <a:p>
-            <a:r>
-              <a:rPr lang="ko-KR" altLang="en-US" dirty="0"/>
-              <a:t>클라이언트는 작성한 </a:t>
-            </a:r>
-            <a:r>
-              <a:rPr lang="en-US" altLang="ko-KR" dirty="0"/>
-              <a:t>template </a:t>
-            </a:r>
-            <a:r>
-              <a:rPr lang="ko-KR" altLang="en-US" dirty="0"/>
-              <a:t>파일과 이메일</a:t>
-            </a:r>
-            <a:r>
-              <a:rPr lang="en-US" altLang="ko-KR" dirty="0"/>
-              <a:t> </a:t>
-            </a:r>
-            <a:r>
-              <a:rPr lang="ko-KR" altLang="en-US" dirty="0"/>
-              <a:t>및 요구사항 등의 데이터를 </a:t>
-            </a:r>
-            <a:r>
-              <a:rPr lang="ko-KR" altLang="en-US" dirty="0" err="1"/>
-              <a:t>리엑트로</a:t>
-            </a:r>
-            <a:r>
-              <a:rPr lang="ko-KR" altLang="en-US" dirty="0"/>
-              <a:t> 구현된 웹사이트에 입력하고</a:t>
-            </a:r>
-            <a:r>
-              <a:rPr lang="en-US" altLang="ko-KR" dirty="0"/>
-              <a:t> submit </a:t>
-            </a:r>
-            <a:r>
-              <a:rPr lang="ko-KR" altLang="en-US" dirty="0"/>
-              <a:t>버튼을 누른다</a:t>
-            </a:r>
-            <a:r>
-              <a:rPr lang="en-US" altLang="ko-KR" dirty="0"/>
-              <a:t>.</a:t>
-            </a:r>
-          </a:p>
-          <a:p>
-            <a:r>
-              <a:rPr lang="en-US" altLang="ko-KR" dirty="0"/>
-              <a:t>Submit </a:t>
-            </a:r>
-            <a:r>
-              <a:rPr lang="ko-KR" altLang="en-US" dirty="0"/>
-              <a:t>버튼을 누르면 데이터와 파일이 </a:t>
-            </a:r>
-            <a:r>
-              <a:rPr lang="ko-KR" altLang="en-US" dirty="0" err="1"/>
-              <a:t>리엑트를</a:t>
-            </a:r>
-            <a:r>
-              <a:rPr lang="ko-KR" altLang="en-US" dirty="0"/>
-              <a:t> 통해 </a:t>
-            </a:r>
-            <a:r>
-              <a:rPr lang="en-US" altLang="ko-KR" dirty="0" err="1"/>
-              <a:t>nodejs</a:t>
-            </a:r>
-            <a:r>
-              <a:rPr lang="ko-KR" altLang="en-US" dirty="0"/>
-              <a:t>로 전송되어 저장된다</a:t>
-            </a:r>
-            <a:r>
-              <a:rPr lang="en-US" altLang="ko-KR" dirty="0"/>
-              <a:t>. </a:t>
-            </a:r>
-          </a:p>
-          <a:p>
-            <a:r>
-              <a:rPr lang="ko-KR" altLang="en-US" dirty="0"/>
-              <a:t>폰트 제작을 위한 </a:t>
-            </a:r>
-            <a:r>
-              <a:rPr lang="ko-KR" altLang="en-US" dirty="0" err="1"/>
-              <a:t>머신러닝을</a:t>
-            </a:r>
-            <a:r>
-              <a:rPr lang="ko-KR" altLang="en-US" dirty="0"/>
-              <a:t> 진행하기 위해 저장된 </a:t>
-            </a:r>
-            <a:r>
-              <a:rPr lang="en-US" altLang="ko-KR" dirty="0"/>
-              <a:t>template </a:t>
-            </a:r>
-            <a:r>
-              <a:rPr lang="ko-KR" altLang="en-US" dirty="0"/>
-              <a:t>파일의 위치를 파이썬 작업이 가능한 플라스크 서버로 전송한다</a:t>
-            </a:r>
-            <a:r>
-              <a:rPr lang="en-US" altLang="ko-KR" dirty="0"/>
-              <a:t>.</a:t>
-            </a:r>
-          </a:p>
-          <a:p>
-            <a:r>
-              <a:rPr lang="ko-KR" altLang="en-US" dirty="0"/>
-              <a:t>이때 </a:t>
-            </a:r>
-            <a:r>
-              <a:rPr lang="en-US" altLang="ko-KR" dirty="0" err="1"/>
-              <a:t>nodejs</a:t>
-            </a:r>
-            <a:r>
-              <a:rPr lang="en-US" altLang="ko-KR" dirty="0"/>
-              <a:t> </a:t>
-            </a:r>
-            <a:r>
-              <a:rPr lang="ko-KR" altLang="en-US" dirty="0"/>
-              <a:t>서버와 </a:t>
-            </a:r>
-            <a:r>
-              <a:rPr lang="en-US" altLang="ko-KR" dirty="0"/>
-              <a:t>flask</a:t>
-            </a:r>
-            <a:r>
-              <a:rPr lang="ko-KR" altLang="en-US" dirty="0"/>
-              <a:t>서버는 </a:t>
-            </a:r>
-            <a:r>
-              <a:rPr lang="en-US" altLang="ko-KR" dirty="0"/>
-              <a:t>rest </a:t>
-            </a:r>
-            <a:r>
-              <a:rPr lang="en-US" altLang="ko-KR" dirty="0" err="1"/>
-              <a:t>api</a:t>
-            </a:r>
-            <a:r>
-              <a:rPr lang="ko-KR" altLang="en-US" dirty="0"/>
-              <a:t>를 통해 통신한다</a:t>
-            </a:r>
-            <a:r>
-              <a:rPr lang="en-US" altLang="ko-KR" dirty="0"/>
-              <a:t>.</a:t>
-            </a:r>
-          </a:p>
-          <a:p>
-            <a:r>
-              <a:rPr lang="ko-KR" altLang="en-US" dirty="0"/>
-              <a:t>통신을 위해 </a:t>
-            </a:r>
-            <a:r>
-              <a:rPr lang="en-US" altLang="ko-KR" dirty="0"/>
-              <a:t>flask</a:t>
-            </a:r>
-            <a:r>
-              <a:rPr lang="ko-KR" altLang="en-US" dirty="0"/>
-              <a:t>에서는 </a:t>
-            </a:r>
-            <a:r>
-              <a:rPr lang="en-US" altLang="ko-KR" dirty="0" err="1"/>
-              <a:t>flask_restx</a:t>
-            </a:r>
-            <a:r>
-              <a:rPr lang="ko-KR" altLang="en-US" dirty="0"/>
-              <a:t>라는 라이브러리를 사용하고</a:t>
-            </a:r>
-            <a:r>
-              <a:rPr lang="en-US" altLang="ko-KR" dirty="0"/>
-              <a:t>, </a:t>
-            </a:r>
-            <a:r>
-              <a:rPr lang="en-US" altLang="ko-KR" dirty="0" err="1"/>
-              <a:t>nodejs</a:t>
-            </a:r>
-            <a:r>
-              <a:rPr lang="ko-KR" altLang="en-US" dirty="0"/>
-              <a:t>에서는 </a:t>
-            </a:r>
-            <a:r>
-              <a:rPr lang="en-US" altLang="ko-KR" dirty="0" err="1"/>
-              <a:t>axios</a:t>
-            </a:r>
-            <a:r>
-              <a:rPr lang="en-US" altLang="ko-KR" dirty="0"/>
-              <a:t> </a:t>
-            </a:r>
-            <a:r>
-              <a:rPr lang="ko-KR" altLang="en-US" dirty="0"/>
-              <a:t>라이브러리를 사용한다</a:t>
-            </a:r>
-            <a:r>
-              <a:rPr lang="en-US" altLang="ko-KR" dirty="0"/>
-              <a:t>.</a:t>
-            </a:r>
-          </a:p>
-          <a:p>
-            <a:r>
-              <a:rPr lang="en-US" altLang="ko-KR" dirty="0"/>
-              <a:t>Flask </a:t>
-            </a:r>
-            <a:r>
-              <a:rPr lang="ko-KR" altLang="en-US" dirty="0"/>
-              <a:t>서버는 머신 러닝 작업을 수행 후 결과값의 저장 경로를 </a:t>
-            </a:r>
-            <a:r>
-              <a:rPr lang="en-US" altLang="ko-KR" dirty="0" err="1"/>
-              <a:t>nodejs</a:t>
-            </a:r>
-            <a:r>
-              <a:rPr lang="en-US" altLang="ko-KR" dirty="0"/>
-              <a:t> </a:t>
-            </a:r>
-            <a:r>
-              <a:rPr lang="ko-KR" altLang="en-US" dirty="0"/>
-              <a:t>서버에 </a:t>
-            </a:r>
-            <a:r>
-              <a:rPr lang="en-US" altLang="ko-KR" dirty="0"/>
-              <a:t>post</a:t>
-            </a:r>
-            <a:r>
-              <a:rPr lang="ko-KR" altLang="en-US" dirty="0"/>
-              <a:t>한다</a:t>
-            </a:r>
-            <a:r>
-              <a:rPr lang="en-US" altLang="ko-KR" dirty="0"/>
-              <a:t>.</a:t>
-            </a:r>
-          </a:p>
-          <a:p>
-            <a:endParaRPr lang="en-US" altLang="ko-KR" dirty="0"/>
-          </a:p>
-          <a:p>
-            <a:endParaRPr lang="en-US" altLang="ko-KR" dirty="0"/>
+            <a:endParaRPr lang="ko-KR" altLang="en-US" dirty="0"/>
           </a:p>
         </p:txBody>
       </p:sp>
@@ -2722,7 +2989,7 @@
     </p:spTree>
     <p:extLst>
       <p:ext uri="{BB962C8B-B14F-4D97-AF65-F5344CB8AC3E}">
-        <p14:creationId xmlns:p14="http://schemas.microsoft.com/office/powerpoint/2010/main" val="1680172411"/>
+        <p14:creationId xmlns:p14="http://schemas.microsoft.com/office/powerpoint/2010/main" val="3444408472"/>
       </p:ext>
     </p:extLst>
   </p:cSld>
@@ -2879,7 +3146,7 @@
           <a:p>
             <a:fld id="{1762A957-3395-46D6-9B9D-47B5502A23CA}" type="datetimeFigureOut">
               <a:rPr lang="ko-KR" altLang="en-US" smtClean="0"/>
-              <a:t>2021-10-25</a:t>
+              <a:t>2021-10-26</a:t>
             </a:fld>
             <a:endParaRPr lang="ko-KR" altLang="en-US"/>
           </a:p>
@@ -3077,7 +3344,7 @@
           <a:p>
             <a:fld id="{1762A957-3395-46D6-9B9D-47B5502A23CA}" type="datetimeFigureOut">
               <a:rPr lang="ko-KR" altLang="en-US" smtClean="0"/>
-              <a:t>2021-10-25</a:t>
+              <a:t>2021-10-26</a:t>
             </a:fld>
             <a:endParaRPr lang="ko-KR" altLang="en-US"/>
           </a:p>
@@ -3285,7 +3552,7 @@
           <a:p>
             <a:fld id="{1762A957-3395-46D6-9B9D-47B5502A23CA}" type="datetimeFigureOut">
               <a:rPr lang="ko-KR" altLang="en-US" smtClean="0"/>
-              <a:t>2021-10-25</a:t>
+              <a:t>2021-10-26</a:t>
             </a:fld>
             <a:endParaRPr lang="ko-KR" altLang="en-US"/>
           </a:p>
@@ -3483,7 +3750,7 @@
           <a:p>
             <a:fld id="{1762A957-3395-46D6-9B9D-47B5502A23CA}" type="datetimeFigureOut">
               <a:rPr lang="ko-KR" altLang="en-US" smtClean="0"/>
-              <a:t>2021-10-25</a:t>
+              <a:t>2021-10-26</a:t>
             </a:fld>
             <a:endParaRPr lang="ko-KR" altLang="en-US"/>
           </a:p>
@@ -3758,7 +4025,7 @@
           <a:p>
             <a:fld id="{1762A957-3395-46D6-9B9D-47B5502A23CA}" type="datetimeFigureOut">
               <a:rPr lang="ko-KR" altLang="en-US" smtClean="0"/>
-              <a:t>2021-10-25</a:t>
+              <a:t>2021-10-26</a:t>
             </a:fld>
             <a:endParaRPr lang="ko-KR" altLang="en-US"/>
           </a:p>
@@ -4023,7 +4290,7 @@
           <a:p>
             <a:fld id="{1762A957-3395-46D6-9B9D-47B5502A23CA}" type="datetimeFigureOut">
               <a:rPr lang="ko-KR" altLang="en-US" smtClean="0"/>
-              <a:t>2021-10-25</a:t>
+              <a:t>2021-10-26</a:t>
             </a:fld>
             <a:endParaRPr lang="ko-KR" altLang="en-US"/>
           </a:p>
@@ -4435,7 +4702,7 @@
           <a:p>
             <a:fld id="{1762A957-3395-46D6-9B9D-47B5502A23CA}" type="datetimeFigureOut">
               <a:rPr lang="ko-KR" altLang="en-US" smtClean="0"/>
-              <a:t>2021-10-25</a:t>
+              <a:t>2021-10-26</a:t>
             </a:fld>
             <a:endParaRPr lang="ko-KR" altLang="en-US"/>
           </a:p>
@@ -4576,7 +4843,7 @@
           <a:p>
             <a:fld id="{1762A957-3395-46D6-9B9D-47B5502A23CA}" type="datetimeFigureOut">
               <a:rPr lang="ko-KR" altLang="en-US" smtClean="0"/>
-              <a:t>2021-10-25</a:t>
+              <a:t>2021-10-26</a:t>
             </a:fld>
             <a:endParaRPr lang="ko-KR" altLang="en-US"/>
           </a:p>
@@ -4689,7 +4956,7 @@
           <a:p>
             <a:fld id="{1762A957-3395-46D6-9B9D-47B5502A23CA}" type="datetimeFigureOut">
               <a:rPr lang="ko-KR" altLang="en-US" smtClean="0"/>
-              <a:t>2021-10-25</a:t>
+              <a:t>2021-10-26</a:t>
             </a:fld>
             <a:endParaRPr lang="ko-KR" altLang="en-US"/>
           </a:p>
@@ -5000,7 +5267,7 @@
           <a:p>
             <a:fld id="{1762A957-3395-46D6-9B9D-47B5502A23CA}" type="datetimeFigureOut">
               <a:rPr lang="ko-KR" altLang="en-US" smtClean="0"/>
-              <a:t>2021-10-25</a:t>
+              <a:t>2021-10-26</a:t>
             </a:fld>
             <a:endParaRPr lang="ko-KR" altLang="en-US"/>
           </a:p>
@@ -5288,7 +5555,7 @@
           <a:p>
             <a:fld id="{1762A957-3395-46D6-9B9D-47B5502A23CA}" type="datetimeFigureOut">
               <a:rPr lang="ko-KR" altLang="en-US" smtClean="0"/>
-              <a:t>2021-10-25</a:t>
+              <a:t>2021-10-26</a:t>
             </a:fld>
             <a:endParaRPr lang="ko-KR" altLang="en-US"/>
           </a:p>
@@ -5529,7 +5796,7 @@
           <a:p>
             <a:fld id="{1762A957-3395-46D6-9B9D-47B5502A23CA}" type="datetimeFigureOut">
               <a:rPr lang="ko-KR" altLang="en-US" smtClean="0"/>
-              <a:t>2021-10-25</a:t>
+              <a:t>2021-10-26</a:t>
             </a:fld>
             <a:endParaRPr lang="ko-KR" altLang="en-US"/>
           </a:p>
@@ -6569,549 +6836,6 @@
       </p:sp>
       <p:sp>
         <p:nvSpPr>
-          <p:cNvPr id="5" name="TextBox 4">
-            <a:extLst>
-              <a:ext uri="{FF2B5EF4-FFF2-40B4-BE49-F238E27FC236}">
-                <a16:creationId xmlns:a16="http://schemas.microsoft.com/office/drawing/2014/main" id="{522EF06D-1398-4D92-B9F0-962F77196D17}"/>
-              </a:ext>
-            </a:extLst>
-          </p:cNvPr>
-          <p:cNvSpPr txBox="1"/>
-          <p:nvPr/>
-        </p:nvSpPr>
-        <p:spPr>
-          <a:xfrm>
-            <a:off x="1241527" y="153579"/>
-            <a:ext cx="5541261" cy="707886"/>
-          </a:xfrm>
-          <a:prstGeom prst="rect">
-            <a:avLst/>
-          </a:prstGeom>
-          <a:noFill/>
-        </p:spPr>
-        <p:txBody>
-          <a:bodyPr wrap="none" rtlCol="0">
-            <a:spAutoFit/>
-          </a:bodyPr>
-          <a:lstStyle/>
-          <a:p>
-            <a:r>
-              <a:rPr lang="en-US" altLang="ko-KR" sz="4000" dirty="0">
-                <a:solidFill>
-                  <a:schemeClr val="bg1"/>
-                </a:solidFill>
-                <a:latin typeface="Georgia Pro Cond Light" panose="02040306050405020303" pitchFamily="18" charset="0"/>
-                <a:ea typeface="나눔고딕" panose="020D0604000000000000" pitchFamily="50" charset="-127"/>
-              </a:rPr>
-              <a:t>connect React with </a:t>
-            </a:r>
-            <a:r>
-              <a:rPr lang="en-US" altLang="ko-KR" sz="4000" dirty="0" err="1">
-                <a:solidFill>
-                  <a:schemeClr val="bg1"/>
-                </a:solidFill>
-                <a:latin typeface="Georgia Pro Cond Light" panose="02040306050405020303" pitchFamily="18" charset="0"/>
-                <a:ea typeface="나눔고딕" panose="020D0604000000000000" pitchFamily="50" charset="-127"/>
-              </a:rPr>
-              <a:t>NodeJs</a:t>
-            </a:r>
-            <a:endParaRPr lang="ko-KR" altLang="en-US" sz="4000" dirty="0">
-              <a:solidFill>
-                <a:schemeClr val="bg1"/>
-              </a:solidFill>
-              <a:latin typeface="Georgia Pro Cond Light" panose="02040306050405020303" pitchFamily="18" charset="0"/>
-              <a:ea typeface="나눔고딕" panose="020D0604000000000000" pitchFamily="50" charset="-127"/>
-            </a:endParaRPr>
-          </a:p>
-        </p:txBody>
-      </p:sp>
-      <p:pic>
-        <p:nvPicPr>
-          <p:cNvPr id="7170" name="Picture 2">
-            <a:extLst>
-              <a:ext uri="{FF2B5EF4-FFF2-40B4-BE49-F238E27FC236}">
-                <a16:creationId xmlns:a16="http://schemas.microsoft.com/office/drawing/2014/main" id="{8B130713-3656-4481-B25E-F8834D090B9E}"/>
-              </a:ext>
-            </a:extLst>
-          </p:cNvPr>
-          <p:cNvPicPr>
-            <a:picLocks noChangeAspect="1" noChangeArrowheads="1"/>
-          </p:cNvPicPr>
-          <p:nvPr/>
-        </p:nvPicPr>
-        <p:blipFill>
-          <a:blip r:embed="rId3">
-            <a:extLst>
-              <a:ext uri="{28A0092B-C50C-407E-A947-70E740481C1C}">
-                <a14:useLocalDpi xmlns:a14="http://schemas.microsoft.com/office/drawing/2010/main" val="0"/>
-              </a:ext>
-            </a:extLst>
-          </a:blip>
-          <a:srcRect/>
-          <a:stretch>
-            <a:fillRect/>
-          </a:stretch>
-        </p:blipFill>
-        <p:spPr bwMode="auto">
-          <a:xfrm>
-            <a:off x="890589" y="2392032"/>
-            <a:ext cx="3171824" cy="2263652"/>
-          </a:xfrm>
-          <a:prstGeom prst="rect">
-            <a:avLst/>
-          </a:prstGeom>
-          <a:noFill/>
-          <a:extLst>
-            <a:ext uri="{909E8E84-426E-40DD-AFC4-6F175D3DCCD1}">
-              <a14:hiddenFill xmlns:a14="http://schemas.microsoft.com/office/drawing/2010/main">
-                <a:solidFill>
-                  <a:srgbClr val="FFFFFF"/>
-                </a:solidFill>
-              </a14:hiddenFill>
-            </a:ext>
-          </a:extLst>
-        </p:spPr>
-      </p:pic>
-      <p:pic>
-        <p:nvPicPr>
-          <p:cNvPr id="7171" name="Picture 3">
-            <a:extLst>
-              <a:ext uri="{FF2B5EF4-FFF2-40B4-BE49-F238E27FC236}">
-                <a16:creationId xmlns:a16="http://schemas.microsoft.com/office/drawing/2014/main" id="{14898845-D3F3-448E-A5E0-0B12FF4EB238}"/>
-              </a:ext>
-            </a:extLst>
-          </p:cNvPr>
-          <p:cNvPicPr>
-            <a:picLocks noChangeAspect="1" noChangeArrowheads="1"/>
-          </p:cNvPicPr>
-          <p:nvPr/>
-        </p:nvPicPr>
-        <p:blipFill>
-          <a:blip r:embed="rId4">
-            <a:extLst>
-              <a:ext uri="{28A0092B-C50C-407E-A947-70E740481C1C}">
-                <a14:useLocalDpi xmlns:a14="http://schemas.microsoft.com/office/drawing/2010/main" val="0"/>
-              </a:ext>
-            </a:extLst>
-          </a:blip>
-          <a:srcRect/>
-          <a:stretch>
-            <a:fillRect/>
-          </a:stretch>
-        </p:blipFill>
-        <p:spPr bwMode="auto">
-          <a:xfrm>
-            <a:off x="7094731" y="2875836"/>
-            <a:ext cx="4300537" cy="1106328"/>
-          </a:xfrm>
-          <a:prstGeom prst="rect">
-            <a:avLst/>
-          </a:prstGeom>
-          <a:noFill/>
-          <a:extLst>
-            <a:ext uri="{909E8E84-426E-40DD-AFC4-6F175D3DCCD1}">
-              <a14:hiddenFill xmlns:a14="http://schemas.microsoft.com/office/drawing/2010/main">
-                <a:solidFill>
-                  <a:srgbClr val="FFFFFF"/>
-                </a:solidFill>
-              </a14:hiddenFill>
-            </a:ext>
-          </a:extLst>
-        </p:spPr>
-      </p:pic>
-      <p:pic>
-        <p:nvPicPr>
-          <p:cNvPr id="7172" name="Picture 4">
-            <a:extLst>
-              <a:ext uri="{FF2B5EF4-FFF2-40B4-BE49-F238E27FC236}">
-                <a16:creationId xmlns:a16="http://schemas.microsoft.com/office/drawing/2014/main" id="{00E89A08-2251-4FAC-B76A-DB66F3E82158}"/>
-              </a:ext>
-            </a:extLst>
-          </p:cNvPr>
-          <p:cNvPicPr>
-            <a:picLocks noChangeAspect="1" noChangeArrowheads="1"/>
-          </p:cNvPicPr>
-          <p:nvPr/>
-        </p:nvPicPr>
-        <p:blipFill>
-          <a:blip r:embed="rId5">
-            <a:extLst>
-              <a:ext uri="{28A0092B-C50C-407E-A947-70E740481C1C}">
-                <a14:useLocalDpi xmlns:a14="http://schemas.microsoft.com/office/drawing/2010/main" val="0"/>
-              </a:ext>
-            </a:extLst>
-          </a:blip>
-          <a:srcRect/>
-          <a:stretch>
-            <a:fillRect/>
-          </a:stretch>
-        </p:blipFill>
-        <p:spPr bwMode="auto">
-          <a:xfrm>
-            <a:off x="600967" y="4313567"/>
-            <a:ext cx="3676650" cy="2143125"/>
-          </a:xfrm>
-          <a:prstGeom prst="rect">
-            <a:avLst/>
-          </a:prstGeom>
-          <a:noFill/>
-          <a:extLst>
-            <a:ext uri="{909E8E84-426E-40DD-AFC4-6F175D3DCCD1}">
-              <a14:hiddenFill xmlns:a14="http://schemas.microsoft.com/office/drawing/2010/main">
-                <a:solidFill>
-                  <a:srgbClr val="FFFFFF"/>
-                </a:solidFill>
-              </a14:hiddenFill>
-            </a:ext>
-          </a:extLst>
-        </p:spPr>
-      </p:pic>
-      <p:pic>
-        <p:nvPicPr>
-          <p:cNvPr id="7174" name="Picture 6">
-            <a:extLst>
-              <a:ext uri="{FF2B5EF4-FFF2-40B4-BE49-F238E27FC236}">
-                <a16:creationId xmlns:a16="http://schemas.microsoft.com/office/drawing/2014/main" id="{87782E26-9215-41FB-8FDE-7753846A5E24}"/>
-              </a:ext>
-            </a:extLst>
-          </p:cNvPr>
-          <p:cNvPicPr>
-            <a:picLocks noChangeAspect="1" noChangeArrowheads="1"/>
-          </p:cNvPicPr>
-          <p:nvPr/>
-        </p:nvPicPr>
-        <p:blipFill>
-          <a:blip r:embed="rId6">
-            <a:extLst>
-              <a:ext uri="{28A0092B-C50C-407E-A947-70E740481C1C}">
-                <a14:useLocalDpi xmlns:a14="http://schemas.microsoft.com/office/drawing/2010/main" val="0"/>
-              </a:ext>
-            </a:extLst>
-          </a:blip>
-          <a:srcRect/>
-          <a:stretch>
-            <a:fillRect/>
-          </a:stretch>
-        </p:blipFill>
-        <p:spPr bwMode="auto">
-          <a:xfrm>
-            <a:off x="7406675" y="4313567"/>
-            <a:ext cx="3676650" cy="1838325"/>
-          </a:xfrm>
-          <a:prstGeom prst="rect">
-            <a:avLst/>
-          </a:prstGeom>
-          <a:noFill/>
-          <a:extLst>
-            <a:ext uri="{909E8E84-426E-40DD-AFC4-6F175D3DCCD1}">
-              <a14:hiddenFill xmlns:a14="http://schemas.microsoft.com/office/drawing/2010/main">
-                <a:solidFill>
-                  <a:srgbClr val="FFFFFF"/>
-                </a:solidFill>
-              </a14:hiddenFill>
-            </a:ext>
-          </a:extLst>
-        </p:spPr>
-      </p:pic>
-      <p:sp>
-        <p:nvSpPr>
-          <p:cNvPr id="18" name="화살표: 오른쪽 17">
-            <a:extLst>
-              <a:ext uri="{FF2B5EF4-FFF2-40B4-BE49-F238E27FC236}">
-                <a16:creationId xmlns:a16="http://schemas.microsoft.com/office/drawing/2014/main" id="{F0EC5155-89A5-491B-96BC-3AE6DB16B22C}"/>
-              </a:ext>
-            </a:extLst>
-          </p:cNvPr>
-          <p:cNvSpPr/>
-          <p:nvPr/>
-        </p:nvSpPr>
-        <p:spPr>
-          <a:xfrm>
-            <a:off x="4731803" y="3442215"/>
-            <a:ext cx="2220686" cy="871352"/>
-          </a:xfrm>
-          <a:prstGeom prst="rightArrow">
-            <a:avLst/>
-          </a:prstGeom>
-          <a:solidFill>
-            <a:schemeClr val="accent3">
-              <a:lumMod val="60000"/>
-              <a:lumOff val="40000"/>
-            </a:schemeClr>
-          </a:solidFill>
-          <a:ln w="57150">
-            <a:solidFill>
-              <a:schemeClr val="accent3">
-                <a:lumMod val="50000"/>
-              </a:schemeClr>
-            </a:solidFill>
-          </a:ln>
-        </p:spPr>
-        <p:style>
-          <a:lnRef idx="2">
-            <a:schemeClr val="accent1">
-              <a:shade val="50000"/>
-            </a:schemeClr>
-          </a:lnRef>
-          <a:fillRef idx="1">
-            <a:schemeClr val="accent1"/>
-          </a:fillRef>
-          <a:effectRef idx="0">
-            <a:schemeClr val="accent1"/>
-          </a:effectRef>
-          <a:fontRef idx="minor">
-            <a:schemeClr val="lt1"/>
-          </a:fontRef>
-        </p:style>
-        <p:txBody>
-          <a:bodyPr rtlCol="0" anchor="ctr"/>
-          <a:lstStyle/>
-          <a:p>
-            <a:pPr algn="ctr"/>
-            <a:endParaRPr lang="ko-KR" altLang="en-US"/>
-          </a:p>
-        </p:txBody>
-      </p:sp>
-      <p:sp>
-        <p:nvSpPr>
-          <p:cNvPr id="19" name="TextBox 18">
-            <a:extLst>
-              <a:ext uri="{FF2B5EF4-FFF2-40B4-BE49-F238E27FC236}">
-                <a16:creationId xmlns:a16="http://schemas.microsoft.com/office/drawing/2014/main" id="{5E45AB2C-5D38-434B-9324-BA8B1E44AFAC}"/>
-              </a:ext>
-            </a:extLst>
-          </p:cNvPr>
-          <p:cNvSpPr txBox="1"/>
-          <p:nvPr/>
-        </p:nvSpPr>
-        <p:spPr>
-          <a:xfrm>
-            <a:off x="4944630" y="3134941"/>
-            <a:ext cx="1567543" cy="461665"/>
-          </a:xfrm>
-          <a:prstGeom prst="rect">
-            <a:avLst/>
-          </a:prstGeom>
-          <a:noFill/>
-        </p:spPr>
-        <p:txBody>
-          <a:bodyPr wrap="square" rtlCol="0">
-            <a:spAutoFit/>
-          </a:bodyPr>
-          <a:lstStyle/>
-          <a:p>
-            <a:pPr algn="ctr"/>
-            <a:r>
-              <a:rPr lang="en-US" altLang="ko-KR" sz="2400" b="1" dirty="0" err="1">
-                <a:latin typeface="Georgia Pro Cond Light" panose="02040306050405020303" pitchFamily="18" charset="0"/>
-              </a:rPr>
-              <a:t>Res.send</a:t>
-            </a:r>
-            <a:r>
-              <a:rPr lang="en-US" altLang="ko-KR" sz="2400" b="1" dirty="0">
-                <a:latin typeface="Georgia Pro Cond Light" panose="02040306050405020303" pitchFamily="18" charset="0"/>
-              </a:rPr>
-              <a:t>()</a:t>
-            </a:r>
-            <a:endParaRPr lang="ko-KR" altLang="en-US" sz="2400" b="1" dirty="0">
-              <a:latin typeface="Georgia Pro Cond Light" panose="02040306050405020303" pitchFamily="18" charset="0"/>
-            </a:endParaRPr>
-          </a:p>
-        </p:txBody>
-      </p:sp>
-    </p:spTree>
-    <p:extLst>
-      <p:ext uri="{BB962C8B-B14F-4D97-AF65-F5344CB8AC3E}">
-        <p14:creationId xmlns:p14="http://schemas.microsoft.com/office/powerpoint/2010/main" val="1080615502"/>
-      </p:ext>
-    </p:extLst>
-  </p:cSld>
-  <p:clrMapOvr>
-    <a:masterClrMapping/>
-  </p:clrMapOvr>
-</p:sld>
-</file>
-
-<file path=ppt/slides/slide11.xml><?xml version="1.0" encoding="utf-8"?>
-<p:sld xmlns:a="http://schemas.openxmlformats.org/drawingml/2006/main" xmlns:r="http://schemas.openxmlformats.org/officeDocument/2006/relationships" xmlns:p="http://schemas.openxmlformats.org/presentationml/2006/main">
-  <p:cSld>
-    <p:spTree>
-      <p:nvGrpSpPr>
-        <p:cNvPr id="1" name=""/>
-        <p:cNvGrpSpPr/>
-        <p:nvPr/>
-      </p:nvGrpSpPr>
-      <p:grpSpPr>
-        <a:xfrm>
-          <a:off x="0" y="0"/>
-          <a:ext cx="0" cy="0"/>
-          <a:chOff x="0" y="0"/>
-          <a:chExt cx="0" cy="0"/>
-        </a:xfrm>
-      </p:grpSpPr>
-      <p:sp>
-        <p:nvSpPr>
-          <p:cNvPr id="2" name="직사각형 1">
-            <a:extLst>
-              <a:ext uri="{FF2B5EF4-FFF2-40B4-BE49-F238E27FC236}">
-                <a16:creationId xmlns:a16="http://schemas.microsoft.com/office/drawing/2014/main" id="{EE08F41B-3AD8-4201-97E2-9E6D06762241}"/>
-              </a:ext>
-            </a:extLst>
-          </p:cNvPr>
-          <p:cNvSpPr/>
-          <p:nvPr/>
-        </p:nvSpPr>
-        <p:spPr>
-          <a:xfrm>
-            <a:off x="0" y="0"/>
-            <a:ext cx="12192000" cy="1028700"/>
-          </a:xfrm>
-          <a:prstGeom prst="rect">
-            <a:avLst/>
-          </a:prstGeom>
-          <a:solidFill>
-            <a:srgbClr val="333F50"/>
-          </a:solidFill>
-          <a:ln>
-            <a:noFill/>
-          </a:ln>
-        </p:spPr>
-        <p:style>
-          <a:lnRef idx="2">
-            <a:schemeClr val="accent1">
-              <a:shade val="50000"/>
-            </a:schemeClr>
-          </a:lnRef>
-          <a:fillRef idx="1">
-            <a:schemeClr val="accent1"/>
-          </a:fillRef>
-          <a:effectRef idx="0">
-            <a:schemeClr val="accent1"/>
-          </a:effectRef>
-          <a:fontRef idx="minor">
-            <a:schemeClr val="lt1"/>
-          </a:fontRef>
-        </p:style>
-        <p:txBody>
-          <a:bodyPr rtlCol="0" anchor="ctr"/>
-          <a:lstStyle/>
-          <a:p>
-            <a:pPr algn="ctr"/>
-            <a:endParaRPr lang="ko-KR" altLang="en-US"/>
-          </a:p>
-        </p:txBody>
-      </p:sp>
-      <p:sp>
-        <p:nvSpPr>
-          <p:cNvPr id="3" name="직사각형 2">
-            <a:extLst>
-              <a:ext uri="{FF2B5EF4-FFF2-40B4-BE49-F238E27FC236}">
-                <a16:creationId xmlns:a16="http://schemas.microsoft.com/office/drawing/2014/main" id="{644B0AF7-FB2B-4D07-B38A-B53750762396}"/>
-              </a:ext>
-            </a:extLst>
-          </p:cNvPr>
-          <p:cNvSpPr/>
-          <p:nvPr/>
-        </p:nvSpPr>
-        <p:spPr>
-          <a:xfrm>
-            <a:off x="147638" y="153579"/>
-            <a:ext cx="919162" cy="675097"/>
-          </a:xfrm>
-          <a:prstGeom prst="rect">
-            <a:avLst/>
-          </a:prstGeom>
-          <a:noFill/>
-          <a:ln w="19050">
-            <a:solidFill>
-              <a:srgbClr val="7F7F7F"/>
-            </a:solidFill>
-          </a:ln>
-          <a:effectLst>
-            <a:outerShdw blurRad="50800" dist="38100" dir="2700000" algn="tl" rotWithShape="0">
-              <a:prstClr val="black">
-                <a:alpha val="40000"/>
-              </a:prstClr>
-            </a:outerShdw>
-          </a:effectLst>
-        </p:spPr>
-        <p:style>
-          <a:lnRef idx="2">
-            <a:schemeClr val="accent1">
-              <a:shade val="50000"/>
-            </a:schemeClr>
-          </a:lnRef>
-          <a:fillRef idx="1">
-            <a:schemeClr val="accent1"/>
-          </a:fillRef>
-          <a:effectRef idx="0">
-            <a:schemeClr val="accent1"/>
-          </a:effectRef>
-          <a:fontRef idx="minor">
-            <a:schemeClr val="lt1"/>
-          </a:fontRef>
-        </p:style>
-        <p:txBody>
-          <a:bodyPr rtlCol="0" anchor="ctr"/>
-          <a:lstStyle/>
-          <a:p>
-            <a:pPr algn="ctr"/>
-            <a:endParaRPr lang="ko-KR" altLang="en-US">
-              <a:latin typeface="Georgia Pro Cond Light" panose="02040306050405020303" pitchFamily="18" charset="0"/>
-            </a:endParaRPr>
-          </a:p>
-        </p:txBody>
-      </p:sp>
-      <p:sp>
-        <p:nvSpPr>
-          <p:cNvPr id="4" name="TextBox 3">
-            <a:extLst>
-              <a:ext uri="{FF2B5EF4-FFF2-40B4-BE49-F238E27FC236}">
-                <a16:creationId xmlns:a16="http://schemas.microsoft.com/office/drawing/2014/main" id="{C3C89236-FE90-4DE7-8BC2-956EFF35CCF7}"/>
-              </a:ext>
-            </a:extLst>
-          </p:cNvPr>
-          <p:cNvSpPr txBox="1"/>
-          <p:nvPr/>
-        </p:nvSpPr>
-        <p:spPr>
-          <a:xfrm>
-            <a:off x="247345" y="117720"/>
-            <a:ext cx="707245" cy="707886"/>
-          </a:xfrm>
-          <a:prstGeom prst="rect">
-            <a:avLst/>
-          </a:prstGeom>
-          <a:noFill/>
-        </p:spPr>
-        <p:txBody>
-          <a:bodyPr wrap="none" rtlCol="0">
-            <a:spAutoFit/>
-          </a:bodyPr>
-          <a:lstStyle/>
-          <a:p>
-            <a:r>
-              <a:rPr lang="en-US" altLang="ko-KR" sz="4000" dirty="0">
-                <a:solidFill>
-                  <a:schemeClr val="bg1"/>
-                </a:solidFill>
-                <a:latin typeface="Georgia Pro Cond Light" panose="02040306050405020303" pitchFamily="18" charset="0"/>
-                <a:ea typeface="나눔스퀘어" panose="020B0600000101010101" pitchFamily="50" charset="-127"/>
-              </a:rPr>
-              <a:t>04</a:t>
-            </a:r>
-            <a:endParaRPr lang="ko-KR" altLang="en-US" sz="4000" dirty="0">
-              <a:solidFill>
-                <a:schemeClr val="bg1"/>
-              </a:solidFill>
-              <a:latin typeface="Georgia Pro Cond Light" panose="02040306050405020303" pitchFamily="18" charset="0"/>
-              <a:ea typeface="나눔스퀘어" panose="020B0600000101010101" pitchFamily="50" charset="-127"/>
-            </a:endParaRPr>
-          </a:p>
-        </p:txBody>
-      </p:sp>
-      <p:sp>
-        <p:nvSpPr>
           <p:cNvPr id="6" name="TextBox 5">
             <a:extLst>
               <a:ext uri="{FF2B5EF4-FFF2-40B4-BE49-F238E27FC236}">
@@ -8610,7 +8334,7 @@
 </p:sld>
 </file>
 
-<file path=ppt/slides/slide12.xml><?xml version="1.0" encoding="utf-8"?>
+<file path=ppt/slides/slide11.xml><?xml version="1.0" encoding="utf-8"?>
 <p:sld xmlns:a="http://schemas.openxmlformats.org/drawingml/2006/main" xmlns:r="http://schemas.openxmlformats.org/officeDocument/2006/relationships" xmlns:p="http://schemas.openxmlformats.org/presentationml/2006/main">
   <p:cSld>
     <p:spTree>
@@ -8850,7 +8574,7 @@
         </p:nvSpPr>
         <p:spPr>
           <a:xfrm>
-            <a:off x="1066800" y="2560450"/>
+            <a:off x="1066800" y="2465450"/>
             <a:ext cx="707245" cy="707886"/>
           </a:xfrm>
           <a:prstGeom prst="rect">
@@ -8898,8 +8622,8 @@
         </p:nvSpPr>
         <p:spPr>
           <a:xfrm>
-            <a:off x="1886254" y="2683561"/>
-            <a:ext cx="2212465" cy="461665"/>
+            <a:off x="1862503" y="2524825"/>
+            <a:ext cx="9485557" cy="553998"/>
           </a:xfrm>
           <a:prstGeom prst="rect">
             <a:avLst/>
@@ -8907,13 +8631,13 @@
           <a:noFill/>
         </p:spPr>
         <p:txBody>
-          <a:bodyPr wrap="none" rtlCol="0">
+          <a:bodyPr wrap="square" rtlCol="0">
             <a:spAutoFit/>
           </a:bodyPr>
           <a:lstStyle/>
           <a:p>
             <a:r>
-              <a:rPr lang="ko-KR" altLang="en-US" sz="2400" dirty="0">
+              <a:rPr lang="en-US" altLang="ko-KR" sz="3000" dirty="0">
                 <a:solidFill>
                   <a:schemeClr val="tx1">
                     <a:lumMod val="75000"/>
@@ -8923,22 +8647,9 @@
                 <a:latin typeface="Georgia Pro Cond Light" panose="02040306050405020303" pitchFamily="18" charset="0"/>
                 <a:ea typeface="나눔스퀘어 Bold" panose="020B0600000101010101" pitchFamily="50" charset="-127"/>
               </a:rPr>
-              <a:t>다음주에 할 일 </a:t>
-            </a:r>
-            <a:r>
-              <a:rPr lang="en-US" altLang="ko-KR" sz="2400" dirty="0">
-                <a:solidFill>
-                  <a:schemeClr val="tx1">
-                    <a:lumMod val="75000"/>
-                    <a:lumOff val="25000"/>
-                  </a:schemeClr>
-                </a:solidFill>
-                <a:latin typeface="Georgia Pro Cond Light" panose="02040306050405020303" pitchFamily="18" charset="0"/>
-                <a:ea typeface="나눔스퀘어 Bold" panose="020B0600000101010101" pitchFamily="50" charset="-127"/>
-              </a:rPr>
-              <a:t>1</a:t>
-            </a:r>
-            <a:endParaRPr lang="ko-KR" altLang="en-US" sz="2400" dirty="0">
+              <a:t>Integration</a:t>
+            </a:r>
+            <a:endParaRPr lang="ko-KR" altLang="en-US" sz="3000" dirty="0">
               <a:solidFill>
                 <a:schemeClr val="tx1">
                   <a:lumMod val="75000"/>
@@ -8948,111 +8659,6 @@
               <a:latin typeface="Georgia Pro Cond Light" panose="02040306050405020303" pitchFamily="18" charset="0"/>
               <a:ea typeface="나눔스퀘어 Bold" panose="020B0600000101010101" pitchFamily="50" charset="-127"/>
             </a:endParaRPr>
-          </a:p>
-        </p:txBody>
-      </p:sp>
-      <p:sp>
-        <p:nvSpPr>
-          <p:cNvPr id="10" name="TextBox 9">
-            <a:extLst>
-              <a:ext uri="{FF2B5EF4-FFF2-40B4-BE49-F238E27FC236}">
-                <a16:creationId xmlns:a16="http://schemas.microsoft.com/office/drawing/2014/main" id="{5E24BE9E-17FD-47C1-A489-BCD26C5683C0}"/>
-              </a:ext>
-            </a:extLst>
-          </p:cNvPr>
-          <p:cNvSpPr txBox="1"/>
-          <p:nvPr/>
-        </p:nvSpPr>
-        <p:spPr>
-          <a:xfrm>
-            <a:off x="1066800" y="4252755"/>
-            <a:ext cx="707245" cy="707886"/>
-          </a:xfrm>
-          <a:prstGeom prst="rect">
-            <a:avLst/>
-          </a:prstGeom>
-          <a:noFill/>
-        </p:spPr>
-        <p:txBody>
-          <a:bodyPr wrap="none" rtlCol="0">
-            <a:spAutoFit/>
-          </a:bodyPr>
-          <a:lstStyle/>
-          <a:p>
-            <a:r>
-              <a:rPr lang="en-US" altLang="ko-KR" sz="4000" dirty="0">
-                <a:solidFill>
-                  <a:srgbClr val="677787"/>
-                </a:solidFill>
-                <a:latin typeface="Georgia Pro Cond Light" panose="02040306050405020303" pitchFamily="18" charset="0"/>
-                <a:ea typeface="나눔스퀘어 ExtraBold" panose="020B0600000101010101" pitchFamily="50" charset="-127"/>
-              </a:rPr>
-              <a:t>03</a:t>
-            </a:r>
-            <a:endParaRPr lang="ko-KR" altLang="en-US" sz="4000" dirty="0">
-              <a:solidFill>
-                <a:srgbClr val="677787"/>
-              </a:solidFill>
-              <a:latin typeface="Georgia Pro Cond Light" panose="02040306050405020303" pitchFamily="18" charset="0"/>
-              <a:ea typeface="나눔스퀘어 ExtraBold" panose="020B0600000101010101" pitchFamily="50" charset="-127"/>
-            </a:endParaRPr>
-          </a:p>
-        </p:txBody>
-      </p:sp>
-      <p:sp>
-        <p:nvSpPr>
-          <p:cNvPr id="11" name="TextBox 10">
-            <a:extLst>
-              <a:ext uri="{FF2B5EF4-FFF2-40B4-BE49-F238E27FC236}">
-                <a16:creationId xmlns:a16="http://schemas.microsoft.com/office/drawing/2014/main" id="{DC71C185-D035-4C38-BC0B-9CD27A9AAB55}"/>
-              </a:ext>
-            </a:extLst>
-          </p:cNvPr>
-          <p:cNvSpPr txBox="1"/>
-          <p:nvPr/>
-        </p:nvSpPr>
-        <p:spPr>
-          <a:xfrm>
-            <a:off x="1886253" y="4375867"/>
-            <a:ext cx="2212465" cy="461665"/>
-          </a:xfrm>
-          <a:prstGeom prst="rect">
-            <a:avLst/>
-          </a:prstGeom>
-          <a:noFill/>
-        </p:spPr>
-        <p:txBody>
-          <a:bodyPr wrap="none" rtlCol="0">
-            <a:spAutoFit/>
-          </a:bodyPr>
-          <a:lstStyle/>
-          <a:p>
-            <a:r>
-              <a:rPr lang="ko-KR" altLang="en-US" sz="2400" dirty="0">
-                <a:solidFill>
-                  <a:schemeClr val="tx1">
-                    <a:lumMod val="75000"/>
-                    <a:lumOff val="25000"/>
-                  </a:schemeClr>
-                </a:solidFill>
-                <a:latin typeface="Georgia Pro Cond Light" panose="02040306050405020303" pitchFamily="18" charset="0"/>
-                <a:ea typeface="나눔스퀘어 Bold" panose="020B0600000101010101" pitchFamily="50" charset="-127"/>
-              </a:rPr>
-              <a:t>다음주에 할 일 </a:t>
-            </a:r>
-            <a:r>
-              <a:rPr lang="en-US" altLang="ko-KR" sz="2400" dirty="0">
-                <a:solidFill>
-                  <a:schemeClr val="tx1">
-                    <a:lumMod val="75000"/>
-                    <a:lumOff val="25000"/>
-                  </a:schemeClr>
-                </a:solidFill>
-                <a:latin typeface="Georgia Pro Cond Light" panose="02040306050405020303" pitchFamily="18" charset="0"/>
-                <a:ea typeface="나눔스퀘어 Bold" panose="020B0600000101010101" pitchFamily="50" charset="-127"/>
-              </a:rPr>
-              <a:t>3</a:t>
-            </a:r>
           </a:p>
         </p:txBody>
       </p:sp>
@@ -9070,7 +8676,7 @@
         </p:nvSpPr>
         <p:spPr>
           <a:xfrm>
-            <a:off x="1066800" y="3421758"/>
+            <a:off x="1066800" y="4564161"/>
             <a:ext cx="707245" cy="707886"/>
           </a:xfrm>
           <a:prstGeom prst="rect">
@@ -9118,8 +8724,8 @@
         </p:nvSpPr>
         <p:spPr>
           <a:xfrm>
-            <a:off x="1886253" y="3544869"/>
-            <a:ext cx="2212465" cy="461665"/>
+            <a:off x="1886253" y="4687276"/>
+            <a:ext cx="2093843" cy="461665"/>
           </a:xfrm>
           <a:prstGeom prst="rect">
             <a:avLst/>
@@ -9143,21 +8749,139 @@
                 <a:latin typeface="Georgia Pro Cond Light" panose="02040306050405020303" pitchFamily="18" charset="0"/>
                 <a:ea typeface="나눔스퀘어 Bold" panose="020B0600000101010101" pitchFamily="50" charset="-127"/>
               </a:rPr>
-              <a:t>다음주에 할 일 </a:t>
-            </a:r>
-            <a:r>
-              <a:rPr lang="en-US" altLang="ko-KR" sz="2400" dirty="0">
-                <a:solidFill>
-                  <a:schemeClr val="tx1">
-                    <a:lumMod val="75000"/>
-                    <a:lumOff val="25000"/>
-                  </a:schemeClr>
-                </a:solidFill>
-                <a:latin typeface="Georgia Pro Cond Light" panose="02040306050405020303" pitchFamily="18" charset="0"/>
-                <a:ea typeface="나눔스퀘어 Bold" panose="020B0600000101010101" pitchFamily="50" charset="-127"/>
-              </a:rPr>
-              <a:t>2</a:t>
-            </a:r>
+              <a:t>중간보고 준비</a:t>
+            </a:r>
+            <a:endParaRPr lang="en-US" altLang="ko-KR" sz="2400" dirty="0">
+              <a:solidFill>
+                <a:schemeClr val="tx1">
+                  <a:lumMod val="75000"/>
+                  <a:lumOff val="25000"/>
+                </a:schemeClr>
+              </a:solidFill>
+              <a:latin typeface="Georgia Pro Cond Light" panose="02040306050405020303" pitchFamily="18" charset="0"/>
+              <a:ea typeface="나눔스퀘어 Bold" panose="020B0600000101010101" pitchFamily="50" charset="-127"/>
+            </a:endParaRPr>
+          </a:p>
+        </p:txBody>
+      </p:sp>
+      <p:sp>
+        <p:nvSpPr>
+          <p:cNvPr id="5" name="TextBox 4">
+            <a:extLst>
+              <a:ext uri="{FF2B5EF4-FFF2-40B4-BE49-F238E27FC236}">
+                <a16:creationId xmlns:a16="http://schemas.microsoft.com/office/drawing/2014/main" id="{CCFD763E-CED8-4D01-9376-064CDFC1D2A7}"/>
+              </a:ext>
+            </a:extLst>
+          </p:cNvPr>
+          <p:cNvSpPr txBox="1"/>
+          <p:nvPr/>
+        </p:nvSpPr>
+        <p:spPr>
+          <a:xfrm>
+            <a:off x="1695796" y="3268336"/>
+            <a:ext cx="9485557" cy="1200329"/>
+          </a:xfrm>
+          <a:prstGeom prst="rect">
+            <a:avLst/>
+          </a:prstGeom>
+          <a:noFill/>
+        </p:spPr>
+        <p:txBody>
+          <a:bodyPr wrap="square" rtlCol="0">
+            <a:spAutoFit/>
+          </a:bodyPr>
+          <a:lstStyle/>
+          <a:p>
+            <a:pPr marL="342900" indent="-342900">
+              <a:buAutoNum type="arabicParenR"/>
+            </a:pPr>
+            <a:r>
+              <a:rPr lang="ko-KR" altLang="en-US" dirty="0"/>
+              <a:t>서버 간 통신으로 </a:t>
+            </a:r>
+            <a:r>
+              <a:rPr lang="en-US" altLang="ko-KR" dirty="0"/>
+              <a:t>pretrained </a:t>
+            </a:r>
+            <a:r>
+              <a:rPr lang="en-US" altLang="ko-KR" dirty="0" err="1"/>
+              <a:t>dmfont</a:t>
+            </a:r>
+            <a:r>
+              <a:rPr lang="en-US" altLang="ko-KR" dirty="0"/>
+              <a:t> output </a:t>
+            </a:r>
+            <a:r>
+              <a:rPr lang="ko-KR" altLang="en-US" dirty="0"/>
+              <a:t>내기</a:t>
+            </a:r>
+            <a:r>
+              <a:rPr lang="en-US" altLang="ko-KR" dirty="0"/>
+              <a:t>(</a:t>
+            </a:r>
+            <a:r>
+              <a:rPr lang="ko-KR" altLang="en-US" dirty="0"/>
+              <a:t>다솔</a:t>
+            </a:r>
+            <a:r>
+              <a:rPr lang="en-US" altLang="ko-KR" dirty="0"/>
+              <a:t>, </a:t>
+            </a:r>
+            <a:r>
+              <a:rPr lang="ko-KR" altLang="en-US" dirty="0"/>
+              <a:t>성은</a:t>
+            </a:r>
+            <a:r>
+              <a:rPr lang="en-US" altLang="ko-KR" dirty="0"/>
+              <a:t>)</a:t>
+            </a:r>
+          </a:p>
+          <a:p>
+            <a:endParaRPr lang="en-US" altLang="ko-KR" dirty="0"/>
+          </a:p>
+          <a:p>
+            <a:pPr marL="342900" indent="-342900">
+              <a:buAutoNum type="arabicParenR" startAt="2"/>
+            </a:pPr>
+            <a:r>
+              <a:rPr lang="en-US" altLang="ko-KR" dirty="0"/>
+              <a:t>Templates2pngs-&gt;pngs2ttf-&gt;</a:t>
+            </a:r>
+            <a:r>
+              <a:rPr lang="en-US" altLang="ko-KR" dirty="0" err="1"/>
+              <a:t>dmfont</a:t>
+            </a:r>
+            <a:r>
+              <a:rPr lang="en-US" altLang="ko-KR" dirty="0"/>
+              <a:t> -&gt;pngs2ttf </a:t>
+            </a:r>
+            <a:r>
+              <a:rPr lang="ko-KR" altLang="en-US" dirty="0"/>
+              <a:t>의 일련의 과정 통합</a:t>
+            </a:r>
+            <a:r>
+              <a:rPr lang="en-US" altLang="ko-KR" dirty="0"/>
+              <a:t>(</a:t>
+            </a:r>
+            <a:r>
+              <a:rPr lang="ko-KR" altLang="en-US" dirty="0"/>
+              <a:t>성빈</a:t>
+            </a:r>
+            <a:r>
+              <a:rPr lang="en-US" altLang="ko-KR" dirty="0"/>
+              <a:t>, </a:t>
+            </a:r>
+            <a:r>
+              <a:rPr lang="ko-KR" altLang="en-US" dirty="0" err="1"/>
+              <a:t>득윤</a:t>
+            </a:r>
+            <a:r>
+              <a:rPr lang="en-US" altLang="ko-KR" dirty="0"/>
+              <a:t>)</a:t>
+            </a:r>
+          </a:p>
+          <a:p>
+            <a:endParaRPr lang="en-US" altLang="ko-KR" dirty="0"/>
           </a:p>
         </p:txBody>
       </p:sp>
@@ -9174,7 +8898,7 @@
 </p:sld>
 </file>
 
-<file path=ppt/slides/slide13.xml><?xml version="1.0" encoding="utf-8"?>
+<file path=ppt/slides/slide12.xml><?xml version="1.0" encoding="utf-8"?>
 <p:sld xmlns:a="http://schemas.openxmlformats.org/drawingml/2006/main" xmlns:r="http://schemas.openxmlformats.org/officeDocument/2006/relationships" xmlns:p="http://schemas.openxmlformats.org/presentationml/2006/main">
   <p:cSld>
     <p:bg>
@@ -26730,7 +26454,7 @@
                 </a:solidFill>
                 <a:latin typeface="Georgia Pro Cond Light" panose="02040306050405020303" pitchFamily="18" charset="0"/>
               </a:rPr>
-              <a:t>png2ttf</a:t>
+              <a:t>pngs2ttf</a:t>
             </a:r>
           </a:p>
           <a:p>
@@ -27920,7 +27644,7 @@
         <p:spPr>
           <a:xfrm>
             <a:off x="1241527" y="153579"/>
-            <a:ext cx="1632178" cy="707886"/>
+            <a:ext cx="1826141" cy="707886"/>
           </a:xfrm>
           <a:prstGeom prst="rect">
             <a:avLst/>
@@ -27941,7 +27665,7 @@
                 <a:latin typeface="Georgia Pro Cond Light" panose="02040306050405020303" pitchFamily="18" charset="0"/>
                 <a:ea typeface="나눔고딕" panose="020D0604000000000000" pitchFamily="50" charset="-127"/>
               </a:rPr>
-              <a:t>png2ttf</a:t>
+              <a:t>pngs2ttf</a:t>
             </a:r>
             <a:endParaRPr lang="ko-KR" altLang="en-US" sz="4000" dirty="0">
               <a:solidFill>
@@ -27990,13 +27714,13 @@
               </a:spcAft>
             </a:pPr>
             <a:r>
-              <a:rPr lang="en-US" altLang="ko-KR" sz="2000" dirty="0">
+              <a:rPr lang="ko-KR" altLang="en-US" sz="1500" dirty="0">
                 <a:solidFill>
                   <a:srgbClr val="000000"/>
                 </a:solidFill>
                 <a:latin typeface="Georgia Pro Cond Light" panose="02040306050405020303" pitchFamily="18" charset="0"/>
               </a:rPr>
-              <a:t>For png2svg, </a:t>
+              <a:t>저번 주차에 사용하였던 </a:t>
             </a:r>
             <a:r>
               <a:rPr lang="en-US" altLang="ko-KR" sz="2000" b="0" i="0" u="none" strike="noStrike" dirty="0">
@@ -28006,7 +27730,7 @@
                 <a:effectLst/>
                 <a:latin typeface="Georgia Pro Cond Light" panose="02040306050405020303" pitchFamily="18" charset="0"/>
               </a:rPr>
-              <a:t>using open source : </a:t>
+              <a:t>open source : </a:t>
             </a:r>
             <a:r>
               <a:rPr lang="en-US" altLang="ko-KR" sz="1800" b="0" i="0" u="sng" strike="noStrike" dirty="0">
@@ -28016,7 +27740,7 @@
                 <a:effectLst/>
                 <a:latin typeface="Georgia Pro Cond Light" panose="02040306050405020303" pitchFamily="18" charset="0"/>
               </a:rPr>
-              <a:t> https://github.com/ianmackinnon/png2svg </a:t>
+              <a:t> https://github.com/ianmackinnon/png2svg</a:t>
             </a:r>
             <a:endParaRPr lang="en-US" altLang="ko-KR" sz="2000" b="0" dirty="0">
               <a:effectLst/>
@@ -28397,7 +28121,7 @@
         <p:spPr>
           <a:xfrm>
             <a:off x="1241527" y="153579"/>
-            <a:ext cx="1632178" cy="707886"/>
+            <a:ext cx="1826141" cy="707886"/>
           </a:xfrm>
           <a:prstGeom prst="rect">
             <a:avLst/>
@@ -28418,7 +28142,7 @@
                 <a:latin typeface="Georgia Pro Cond Light" panose="02040306050405020303" pitchFamily="18" charset="0"/>
                 <a:ea typeface="나눔고딕" panose="020D0604000000000000" pitchFamily="50" charset="-127"/>
               </a:rPr>
-              <a:t>png2ttf</a:t>
+              <a:t>pngs2ttf</a:t>
             </a:r>
             <a:endParaRPr lang="ko-KR" altLang="en-US" sz="4000" dirty="0">
               <a:solidFill>
@@ -28459,7 +28183,7 @@
         </p:blipFill>
         <p:spPr bwMode="auto">
           <a:xfrm>
-            <a:off x="600967" y="2453345"/>
+            <a:off x="364177" y="2146129"/>
             <a:ext cx="2708982" cy="2938835"/>
           </a:xfrm>
           <a:prstGeom prst="rect">
@@ -28491,8 +28215,8 @@
         </p:nvSpPr>
         <p:spPr>
           <a:xfrm>
-            <a:off x="3761510" y="2345192"/>
-            <a:ext cx="7983186" cy="3046988"/>
+            <a:off x="3844637" y="1288288"/>
+            <a:ext cx="7983186" cy="1938992"/>
           </a:xfrm>
           <a:prstGeom prst="rect">
             <a:avLst/>
@@ -28523,23 +28247,6 @@
               </a:rPr>
               <a:t>해결해야 했던 문제점</a:t>
             </a:r>
-            <a:endParaRPr lang="en-US" altLang="ko-KR" sz="2400" b="1" i="0" u="none" strike="noStrike" dirty="0">
-              <a:solidFill>
-                <a:srgbClr val="000000"/>
-              </a:solidFill>
-              <a:effectLst/>
-              <a:latin typeface="Georgia Pro Cond Light" panose="02040306050405020303" pitchFamily="18" charset="0"/>
-            </a:endParaRPr>
-          </a:p>
-          <a:p>
-            <a:pPr rtl="0">
-              <a:spcBef>
-                <a:spcPts val="0"/>
-              </a:spcBef>
-              <a:spcAft>
-                <a:spcPts val="0"/>
-              </a:spcAft>
-            </a:pPr>
             <a:endParaRPr lang="en-US" altLang="ko-KR" sz="2400" b="0" i="0" u="none" strike="noStrike" dirty="0">
               <a:solidFill>
                 <a:srgbClr val="000000"/>
@@ -28649,54 +28356,6 @@
                 <a:spcPts val="0"/>
               </a:spcAft>
             </a:pPr>
-            <a:endParaRPr lang="ko-KR" altLang="en-US" sz="2400" b="0" i="0" u="none" strike="noStrike" dirty="0">
-              <a:solidFill>
-                <a:srgbClr val="000000"/>
-              </a:solidFill>
-              <a:effectLst/>
-              <a:latin typeface="Georgia Pro Cond Light" panose="02040306050405020303" pitchFamily="18" charset="0"/>
-            </a:endParaRPr>
-          </a:p>
-          <a:p>
-            <a:pPr rtl="0" fontAlgn="base">
-              <a:spcBef>
-                <a:spcPts val="0"/>
-              </a:spcBef>
-              <a:spcAft>
-                <a:spcPts val="0"/>
-              </a:spcAft>
-              <a:buFont typeface="+mj-lt"/>
-              <a:buAutoNum type="arabicPeriod" startAt="2"/>
-            </a:pPr>
-            <a:r>
-              <a:rPr lang="ko-KR" altLang="en-US" sz="2400" i="0" u="none" strike="noStrike" dirty="0">
-                <a:solidFill>
-                  <a:srgbClr val="000000"/>
-                </a:solidFill>
-                <a:latin typeface="Georgia Pro Cond Light" panose="02040306050405020303" pitchFamily="18" charset="0"/>
-              </a:rPr>
-              <a:t> </a:t>
-            </a:r>
-            <a:r>
-              <a:rPr lang="en-US" altLang="ko-KR" sz="2400" b="0" i="0" u="none" strike="noStrike" dirty="0">
-                <a:solidFill>
-                  <a:srgbClr val="000000"/>
-                </a:solidFill>
-                <a:effectLst/>
-                <a:latin typeface="Georgia Pro Cond Light" panose="02040306050405020303" pitchFamily="18" charset="0"/>
-              </a:rPr>
-              <a:t>Linux based program</a:t>
-            </a:r>
-          </a:p>
-          <a:p>
-            <a:pPr rtl="0" fontAlgn="base">
-              <a:spcBef>
-                <a:spcPts val="0"/>
-              </a:spcBef>
-              <a:spcAft>
-                <a:spcPts val="0"/>
-              </a:spcAft>
-            </a:pPr>
             <a:endParaRPr lang="en-US" altLang="ko-KR" sz="2400" b="0" i="0" u="none" strike="noStrike" dirty="0">
               <a:solidFill>
                 <a:srgbClr val="000000"/>
@@ -28713,299 +28372,59 @@
               <a:spcAft>
                 <a:spcPts val="0"/>
               </a:spcAft>
-              <a:buFont typeface="+mj-lt"/>
-              <a:buAutoNum type="arabicPeriod" startAt="3"/>
             </a:pPr>
             <a:r>
-              <a:rPr lang="ko-KR" altLang="en-US" sz="2400" i="0" u="none" strike="noStrike" dirty="0">
+              <a:rPr lang="en-US" altLang="ko-KR" sz="2400" dirty="0">
                 <a:solidFill>
                   <a:srgbClr val="000000"/>
                 </a:solidFill>
                 <a:latin typeface="Georgia Pro Cond Light" panose="02040306050405020303" pitchFamily="18" charset="0"/>
               </a:rPr>
-              <a:t> </a:t>
-            </a:r>
-            <a:r>
-              <a:rPr lang="en-US" altLang="ko-KR" sz="2400" b="0" i="0" u="none" strike="noStrike" dirty="0" err="1">
+              <a:t>2. .</a:t>
+            </a:r>
+            <a:r>
+              <a:rPr lang="en-US" altLang="ko-KR" sz="2400" dirty="0" err="1">
                 <a:solidFill>
                   <a:srgbClr val="000000"/>
                 </a:solidFill>
-                <a:effectLst/>
                 <a:latin typeface="Georgia Pro Cond Light" panose="02040306050405020303" pitchFamily="18" charset="0"/>
               </a:rPr>
-              <a:t>png</a:t>
-            </a:r>
-            <a:r>
-              <a:rPr lang="en-US" altLang="ko-KR" sz="2400" b="0" i="0" u="none" strike="noStrike" dirty="0">
+              <a:t>Png</a:t>
+            </a:r>
+            <a:r>
+              <a:rPr lang="en-US" altLang="ko-KR" sz="2400" dirty="0">
                 <a:solidFill>
                   <a:srgbClr val="000000"/>
                 </a:solidFill>
-                <a:effectLst/>
                 <a:latin typeface="Georgia Pro Cond Light" panose="02040306050405020303" pitchFamily="18" charset="0"/>
               </a:rPr>
-              <a:t>-&gt;pnm-&gt;</a:t>
-            </a:r>
-            <a:r>
-              <a:rPr lang="en-US" altLang="ko-KR" sz="2400" b="0" i="0" u="none" strike="noStrike" dirty="0" err="1">
+              <a:t> -&gt; .Pnm -&gt; .</a:t>
+            </a:r>
+            <a:r>
+              <a:rPr lang="en-US" altLang="ko-KR" sz="2400" dirty="0" err="1">
                 <a:solidFill>
                   <a:srgbClr val="000000"/>
                 </a:solidFill>
-                <a:effectLst/>
                 <a:latin typeface="Georgia Pro Cond Light" panose="02040306050405020303" pitchFamily="18" charset="0"/>
               </a:rPr>
-              <a:t>svg</a:t>
-            </a:r>
-            <a:endParaRPr lang="ko-KR" altLang="en-US" sz="2400" dirty="0">
+              <a:t>Svg</a:t>
+            </a:r>
+            <a:endParaRPr lang="en-US" altLang="ko-KR" sz="2400" b="0" i="0" u="none" strike="noStrike" dirty="0">
+              <a:solidFill>
+                <a:srgbClr val="000000"/>
+              </a:solidFill>
+              <a:effectLst/>
               <a:latin typeface="Georgia Pro Cond Light" panose="02040306050405020303" pitchFamily="18" charset="0"/>
-            </a:endParaRPr>
-          </a:p>
-        </p:txBody>
-      </p:sp>
-    </p:spTree>
-    <p:extLst>
-      <p:ext uri="{BB962C8B-B14F-4D97-AF65-F5344CB8AC3E}">
-        <p14:creationId xmlns:p14="http://schemas.microsoft.com/office/powerpoint/2010/main" val="2686753743"/>
-      </p:ext>
-    </p:extLst>
-  </p:cSld>
-  <p:clrMapOvr>
-    <a:masterClrMapping/>
-  </p:clrMapOvr>
-</p:sld>
-</file>
-
-<file path=ppt/slides/slide8.xml><?xml version="1.0" encoding="utf-8"?>
-<p:sld xmlns:a="http://schemas.openxmlformats.org/drawingml/2006/main" xmlns:r="http://schemas.openxmlformats.org/officeDocument/2006/relationships" xmlns:p="http://schemas.openxmlformats.org/presentationml/2006/main">
-  <p:cSld>
-    <p:spTree>
-      <p:nvGrpSpPr>
-        <p:cNvPr id="1" name=""/>
-        <p:cNvGrpSpPr/>
-        <p:nvPr/>
-      </p:nvGrpSpPr>
-      <p:grpSpPr>
-        <a:xfrm>
-          <a:off x="0" y="0"/>
-          <a:ext cx="0" cy="0"/>
-          <a:chOff x="0" y="0"/>
-          <a:chExt cx="0" cy="0"/>
-        </a:xfrm>
-      </p:grpSpPr>
-      <p:sp>
-        <p:nvSpPr>
-          <p:cNvPr id="2" name="직사각형 1">
-            <a:extLst>
-              <a:ext uri="{FF2B5EF4-FFF2-40B4-BE49-F238E27FC236}">
-                <a16:creationId xmlns:a16="http://schemas.microsoft.com/office/drawing/2014/main" id="{EE08F41B-3AD8-4201-97E2-9E6D06762241}"/>
-              </a:ext>
-            </a:extLst>
-          </p:cNvPr>
-          <p:cNvSpPr/>
-          <p:nvPr/>
-        </p:nvSpPr>
-        <p:spPr>
-          <a:xfrm>
-            <a:off x="0" y="0"/>
-            <a:ext cx="12192000" cy="1028700"/>
-          </a:xfrm>
-          <a:prstGeom prst="rect">
-            <a:avLst/>
-          </a:prstGeom>
-          <a:solidFill>
-            <a:srgbClr val="333F50"/>
-          </a:solidFill>
-          <a:ln>
-            <a:noFill/>
-          </a:ln>
-        </p:spPr>
-        <p:style>
-          <a:lnRef idx="2">
-            <a:schemeClr val="accent1">
-              <a:shade val="50000"/>
-            </a:schemeClr>
-          </a:lnRef>
-          <a:fillRef idx="1">
-            <a:schemeClr val="accent1"/>
-          </a:fillRef>
-          <a:effectRef idx="0">
-            <a:schemeClr val="accent1"/>
-          </a:effectRef>
-          <a:fontRef idx="minor">
-            <a:schemeClr val="lt1"/>
-          </a:fontRef>
-        </p:style>
-        <p:txBody>
-          <a:bodyPr rtlCol="0" anchor="ctr"/>
-          <a:lstStyle/>
-          <a:p>
-            <a:pPr algn="ctr"/>
-            <a:endParaRPr lang="ko-KR" altLang="en-US"/>
-          </a:p>
-        </p:txBody>
-      </p:sp>
-      <p:sp>
-        <p:nvSpPr>
-          <p:cNvPr id="3" name="직사각형 2">
-            <a:extLst>
-              <a:ext uri="{FF2B5EF4-FFF2-40B4-BE49-F238E27FC236}">
-                <a16:creationId xmlns:a16="http://schemas.microsoft.com/office/drawing/2014/main" id="{644B0AF7-FB2B-4D07-B38A-B53750762396}"/>
-              </a:ext>
-            </a:extLst>
-          </p:cNvPr>
-          <p:cNvSpPr/>
-          <p:nvPr/>
-        </p:nvSpPr>
-        <p:spPr>
-          <a:xfrm>
-            <a:off x="147638" y="153579"/>
-            <a:ext cx="919162" cy="675097"/>
-          </a:xfrm>
-          <a:prstGeom prst="rect">
-            <a:avLst/>
-          </a:prstGeom>
-          <a:noFill/>
-          <a:ln w="19050">
-            <a:solidFill>
-              <a:srgbClr val="7F7F7F"/>
-            </a:solidFill>
-          </a:ln>
-          <a:effectLst>
-            <a:outerShdw blurRad="50800" dist="38100" dir="2700000" algn="tl" rotWithShape="0">
-              <a:prstClr val="black">
-                <a:alpha val="40000"/>
-              </a:prstClr>
-            </a:outerShdw>
-          </a:effectLst>
-        </p:spPr>
-        <p:style>
-          <a:lnRef idx="2">
-            <a:schemeClr val="accent1">
-              <a:shade val="50000"/>
-            </a:schemeClr>
-          </a:lnRef>
-          <a:fillRef idx="1">
-            <a:schemeClr val="accent1"/>
-          </a:fillRef>
-          <a:effectRef idx="0">
-            <a:schemeClr val="accent1"/>
-          </a:effectRef>
-          <a:fontRef idx="minor">
-            <a:schemeClr val="lt1"/>
-          </a:fontRef>
-        </p:style>
-        <p:txBody>
-          <a:bodyPr rtlCol="0" anchor="ctr"/>
-          <a:lstStyle/>
-          <a:p>
-            <a:pPr algn="ctr"/>
-            <a:endParaRPr lang="ko-KR" altLang="en-US">
-              <a:latin typeface="Georgia Pro Cond Light" panose="02040306050405020303" pitchFamily="18" charset="0"/>
-            </a:endParaRPr>
-          </a:p>
-        </p:txBody>
-      </p:sp>
-      <p:sp>
-        <p:nvSpPr>
-          <p:cNvPr id="4" name="TextBox 3">
-            <a:extLst>
-              <a:ext uri="{FF2B5EF4-FFF2-40B4-BE49-F238E27FC236}">
-                <a16:creationId xmlns:a16="http://schemas.microsoft.com/office/drawing/2014/main" id="{C3C89236-FE90-4DE7-8BC2-956EFF35CCF7}"/>
-              </a:ext>
-            </a:extLst>
-          </p:cNvPr>
-          <p:cNvSpPr txBox="1"/>
-          <p:nvPr/>
-        </p:nvSpPr>
-        <p:spPr>
-          <a:xfrm>
-            <a:off x="247345" y="117720"/>
-            <a:ext cx="707245" cy="707886"/>
-          </a:xfrm>
-          <a:prstGeom prst="rect">
-            <a:avLst/>
-          </a:prstGeom>
-          <a:noFill/>
-        </p:spPr>
-        <p:txBody>
-          <a:bodyPr wrap="none" rtlCol="0">
-            <a:spAutoFit/>
-          </a:bodyPr>
-          <a:lstStyle/>
-          <a:p>
-            <a:r>
-              <a:rPr lang="en-US" altLang="ko-KR" sz="4000" dirty="0">
-                <a:solidFill>
-                  <a:schemeClr val="bg1"/>
-                </a:solidFill>
-                <a:latin typeface="Georgia Pro Cond Light" panose="02040306050405020303" pitchFamily="18" charset="0"/>
-                <a:ea typeface="나눔스퀘어" panose="020B0600000101010101" pitchFamily="50" charset="-127"/>
-              </a:rPr>
-              <a:t>03</a:t>
-            </a:r>
-            <a:endParaRPr lang="ko-KR" altLang="en-US" sz="4000" dirty="0">
-              <a:solidFill>
-                <a:schemeClr val="bg1"/>
-              </a:solidFill>
-              <a:latin typeface="Georgia Pro Cond Light" panose="02040306050405020303" pitchFamily="18" charset="0"/>
-              <a:ea typeface="나눔스퀘어" panose="020B0600000101010101" pitchFamily="50" charset="-127"/>
-            </a:endParaRPr>
-          </a:p>
-        </p:txBody>
-      </p:sp>
-      <p:sp>
-        <p:nvSpPr>
-          <p:cNvPr id="5" name="TextBox 4">
-            <a:extLst>
-              <a:ext uri="{FF2B5EF4-FFF2-40B4-BE49-F238E27FC236}">
-                <a16:creationId xmlns:a16="http://schemas.microsoft.com/office/drawing/2014/main" id="{522EF06D-1398-4D92-B9F0-962F77196D17}"/>
-              </a:ext>
-            </a:extLst>
-          </p:cNvPr>
-          <p:cNvSpPr txBox="1"/>
-          <p:nvPr/>
-        </p:nvSpPr>
-        <p:spPr>
-          <a:xfrm>
-            <a:off x="1241527" y="153579"/>
-            <a:ext cx="1632178" cy="707886"/>
-          </a:xfrm>
-          <a:prstGeom prst="rect">
-            <a:avLst/>
-          </a:prstGeom>
-          <a:noFill/>
-        </p:spPr>
-        <p:txBody>
-          <a:bodyPr wrap="none" rtlCol="0">
-            <a:spAutoFit/>
-          </a:bodyPr>
-          <a:lstStyle/>
-          <a:p>
-            <a:r>
-              <a:rPr lang="en-US" altLang="ko-KR" sz="4000" dirty="0">
-                <a:solidFill>
-                  <a:schemeClr val="bg1"/>
-                </a:solidFill>
-                <a:latin typeface="Georgia Pro Cond Light" panose="02040306050405020303" pitchFamily="18" charset="0"/>
-                <a:ea typeface="나눔고딕" panose="020D0604000000000000" pitchFamily="50" charset="-127"/>
-              </a:rPr>
-              <a:t>png2ttf</a:t>
-            </a:r>
-            <a:endParaRPr lang="ko-KR" altLang="en-US" sz="4000" dirty="0">
-              <a:solidFill>
-                <a:schemeClr val="bg1"/>
-              </a:solidFill>
-              <a:latin typeface="Georgia Pro Cond Light" panose="02040306050405020303" pitchFamily="18" charset="0"/>
-              <a:ea typeface="나눔고딕" panose="020D0604000000000000" pitchFamily="50" charset="-127"/>
             </a:endParaRPr>
           </a:p>
         </p:txBody>
       </p:sp>
       <p:pic>
         <p:nvPicPr>
-          <p:cNvPr id="4098" name="Picture 2">
+          <p:cNvPr id="8" name="Picture 2">
             <a:extLst>
               <a:ext uri="{FF2B5EF4-FFF2-40B4-BE49-F238E27FC236}">
-                <a16:creationId xmlns:a16="http://schemas.microsoft.com/office/drawing/2014/main" id="{FBD0E3A9-48EE-4F63-B4EC-A409CA1131E6}"/>
+                <a16:creationId xmlns:a16="http://schemas.microsoft.com/office/drawing/2014/main" id="{CE8E9D7B-F80C-44C3-A26E-EF3C5E401994}"/>
               </a:ext>
             </a:extLst>
           </p:cNvPr>
@@ -29014,23 +28433,21 @@
           </p:cNvPicPr>
           <p:nvPr/>
         </p:nvPicPr>
-        <p:blipFill>
-          <a:blip r:embed="rId3">
+        <p:blipFill rotWithShape="1">
+          <a:blip r:embed="rId4">
             <a:extLst>
               <a:ext uri="{28A0092B-C50C-407E-A947-70E740481C1C}">
                 <a14:useLocalDpi xmlns:a14="http://schemas.microsoft.com/office/drawing/2010/main" val="0"/>
               </a:ext>
             </a:extLst>
           </a:blip>
-          <a:srcRect/>
-          <a:stretch>
-            <a:fillRect/>
-          </a:stretch>
+          <a:srcRect r="3031" b="22387"/>
+          <a:stretch/>
         </p:blipFill>
         <p:spPr bwMode="auto">
           <a:xfrm>
-            <a:off x="3238500" y="1699161"/>
-            <a:ext cx="5715000" cy="4267200"/>
+            <a:off x="5193475" y="3429000"/>
+            <a:ext cx="5541818" cy="3311928"/>
           </a:xfrm>
           <a:prstGeom prst="rect">
             <a:avLst/>
@@ -29050,7 +28467,7 @@
     </p:spTree>
     <p:extLst>
       <p:ext uri="{BB962C8B-B14F-4D97-AF65-F5344CB8AC3E}">
-        <p14:creationId xmlns:p14="http://schemas.microsoft.com/office/powerpoint/2010/main" val="1611787059"/>
+        <p14:creationId xmlns:p14="http://schemas.microsoft.com/office/powerpoint/2010/main" val="2686753743"/>
       </p:ext>
     </p:extLst>
   </p:cSld>
@@ -29060,7 +28477,7 @@
 </p:sld>
 </file>
 
-<file path=ppt/slides/slide9.xml><?xml version="1.0" encoding="utf-8"?>
+<file path=ppt/slides/slide8.xml><?xml version="1.0" encoding="utf-8"?>
 <p:sld xmlns:a="http://schemas.openxmlformats.org/drawingml/2006/main" xmlns:r="http://schemas.openxmlformats.org/officeDocument/2006/relationships" xmlns:p="http://schemas.openxmlformats.org/presentationml/2006/main">
   <p:cSld>
     <p:spTree>
@@ -29586,6 +29003,549 @@
     <p:extLst>
       <p:ext uri="{BB962C8B-B14F-4D97-AF65-F5344CB8AC3E}">
         <p14:creationId xmlns:p14="http://schemas.microsoft.com/office/powerpoint/2010/main" val="3502132879"/>
+      </p:ext>
+    </p:extLst>
+  </p:cSld>
+  <p:clrMapOvr>
+    <a:masterClrMapping/>
+  </p:clrMapOvr>
+</p:sld>
+</file>
+
+<file path=ppt/slides/slide9.xml><?xml version="1.0" encoding="utf-8"?>
+<p:sld xmlns:a="http://schemas.openxmlformats.org/drawingml/2006/main" xmlns:r="http://schemas.openxmlformats.org/officeDocument/2006/relationships" xmlns:p="http://schemas.openxmlformats.org/presentationml/2006/main">
+  <p:cSld>
+    <p:spTree>
+      <p:nvGrpSpPr>
+        <p:cNvPr id="1" name=""/>
+        <p:cNvGrpSpPr/>
+        <p:nvPr/>
+      </p:nvGrpSpPr>
+      <p:grpSpPr>
+        <a:xfrm>
+          <a:off x="0" y="0"/>
+          <a:ext cx="0" cy="0"/>
+          <a:chOff x="0" y="0"/>
+          <a:chExt cx="0" cy="0"/>
+        </a:xfrm>
+      </p:grpSpPr>
+      <p:sp>
+        <p:nvSpPr>
+          <p:cNvPr id="2" name="직사각형 1">
+            <a:extLst>
+              <a:ext uri="{FF2B5EF4-FFF2-40B4-BE49-F238E27FC236}">
+                <a16:creationId xmlns:a16="http://schemas.microsoft.com/office/drawing/2014/main" id="{EE08F41B-3AD8-4201-97E2-9E6D06762241}"/>
+              </a:ext>
+            </a:extLst>
+          </p:cNvPr>
+          <p:cNvSpPr/>
+          <p:nvPr/>
+        </p:nvSpPr>
+        <p:spPr>
+          <a:xfrm>
+            <a:off x="0" y="0"/>
+            <a:ext cx="12192000" cy="1028700"/>
+          </a:xfrm>
+          <a:prstGeom prst="rect">
+            <a:avLst/>
+          </a:prstGeom>
+          <a:solidFill>
+            <a:srgbClr val="333F50"/>
+          </a:solidFill>
+          <a:ln>
+            <a:noFill/>
+          </a:ln>
+        </p:spPr>
+        <p:style>
+          <a:lnRef idx="2">
+            <a:schemeClr val="accent1">
+              <a:shade val="50000"/>
+            </a:schemeClr>
+          </a:lnRef>
+          <a:fillRef idx="1">
+            <a:schemeClr val="accent1"/>
+          </a:fillRef>
+          <a:effectRef idx="0">
+            <a:schemeClr val="accent1"/>
+          </a:effectRef>
+          <a:fontRef idx="minor">
+            <a:schemeClr val="lt1"/>
+          </a:fontRef>
+        </p:style>
+        <p:txBody>
+          <a:bodyPr rtlCol="0" anchor="ctr"/>
+          <a:lstStyle/>
+          <a:p>
+            <a:pPr algn="ctr"/>
+            <a:endParaRPr lang="ko-KR" altLang="en-US"/>
+          </a:p>
+        </p:txBody>
+      </p:sp>
+      <p:sp>
+        <p:nvSpPr>
+          <p:cNvPr id="3" name="직사각형 2">
+            <a:extLst>
+              <a:ext uri="{FF2B5EF4-FFF2-40B4-BE49-F238E27FC236}">
+                <a16:creationId xmlns:a16="http://schemas.microsoft.com/office/drawing/2014/main" id="{644B0AF7-FB2B-4D07-B38A-B53750762396}"/>
+              </a:ext>
+            </a:extLst>
+          </p:cNvPr>
+          <p:cNvSpPr/>
+          <p:nvPr/>
+        </p:nvSpPr>
+        <p:spPr>
+          <a:xfrm>
+            <a:off x="147638" y="153579"/>
+            <a:ext cx="919162" cy="675097"/>
+          </a:xfrm>
+          <a:prstGeom prst="rect">
+            <a:avLst/>
+          </a:prstGeom>
+          <a:noFill/>
+          <a:ln w="19050">
+            <a:solidFill>
+              <a:srgbClr val="7F7F7F"/>
+            </a:solidFill>
+          </a:ln>
+          <a:effectLst>
+            <a:outerShdw blurRad="50800" dist="38100" dir="2700000" algn="tl" rotWithShape="0">
+              <a:prstClr val="black">
+                <a:alpha val="40000"/>
+              </a:prstClr>
+            </a:outerShdw>
+          </a:effectLst>
+        </p:spPr>
+        <p:style>
+          <a:lnRef idx="2">
+            <a:schemeClr val="accent1">
+              <a:shade val="50000"/>
+            </a:schemeClr>
+          </a:lnRef>
+          <a:fillRef idx="1">
+            <a:schemeClr val="accent1"/>
+          </a:fillRef>
+          <a:effectRef idx="0">
+            <a:schemeClr val="accent1"/>
+          </a:effectRef>
+          <a:fontRef idx="minor">
+            <a:schemeClr val="lt1"/>
+          </a:fontRef>
+        </p:style>
+        <p:txBody>
+          <a:bodyPr rtlCol="0" anchor="ctr"/>
+          <a:lstStyle/>
+          <a:p>
+            <a:pPr algn="ctr"/>
+            <a:endParaRPr lang="ko-KR" altLang="en-US">
+              <a:latin typeface="Georgia Pro Cond Light" panose="02040306050405020303" pitchFamily="18" charset="0"/>
+            </a:endParaRPr>
+          </a:p>
+        </p:txBody>
+      </p:sp>
+      <p:sp>
+        <p:nvSpPr>
+          <p:cNvPr id="4" name="TextBox 3">
+            <a:extLst>
+              <a:ext uri="{FF2B5EF4-FFF2-40B4-BE49-F238E27FC236}">
+                <a16:creationId xmlns:a16="http://schemas.microsoft.com/office/drawing/2014/main" id="{C3C89236-FE90-4DE7-8BC2-956EFF35CCF7}"/>
+              </a:ext>
+            </a:extLst>
+          </p:cNvPr>
+          <p:cNvSpPr txBox="1"/>
+          <p:nvPr/>
+        </p:nvSpPr>
+        <p:spPr>
+          <a:xfrm>
+            <a:off x="247345" y="117720"/>
+            <a:ext cx="707245" cy="707886"/>
+          </a:xfrm>
+          <a:prstGeom prst="rect">
+            <a:avLst/>
+          </a:prstGeom>
+          <a:noFill/>
+        </p:spPr>
+        <p:txBody>
+          <a:bodyPr wrap="none" rtlCol="0">
+            <a:spAutoFit/>
+          </a:bodyPr>
+          <a:lstStyle/>
+          <a:p>
+            <a:r>
+              <a:rPr lang="en-US" altLang="ko-KR" sz="4000" dirty="0">
+                <a:solidFill>
+                  <a:schemeClr val="bg1"/>
+                </a:solidFill>
+                <a:latin typeface="Georgia Pro Cond Light" panose="02040306050405020303" pitchFamily="18" charset="0"/>
+                <a:ea typeface="나눔스퀘어" panose="020B0600000101010101" pitchFamily="50" charset="-127"/>
+              </a:rPr>
+              <a:t>04</a:t>
+            </a:r>
+            <a:endParaRPr lang="ko-KR" altLang="en-US" sz="4000" dirty="0">
+              <a:solidFill>
+                <a:schemeClr val="bg1"/>
+              </a:solidFill>
+              <a:latin typeface="Georgia Pro Cond Light" panose="02040306050405020303" pitchFamily="18" charset="0"/>
+              <a:ea typeface="나눔스퀘어" panose="020B0600000101010101" pitchFamily="50" charset="-127"/>
+            </a:endParaRPr>
+          </a:p>
+        </p:txBody>
+      </p:sp>
+      <p:sp>
+        <p:nvSpPr>
+          <p:cNvPr id="5" name="TextBox 4">
+            <a:extLst>
+              <a:ext uri="{FF2B5EF4-FFF2-40B4-BE49-F238E27FC236}">
+                <a16:creationId xmlns:a16="http://schemas.microsoft.com/office/drawing/2014/main" id="{522EF06D-1398-4D92-B9F0-962F77196D17}"/>
+              </a:ext>
+            </a:extLst>
+          </p:cNvPr>
+          <p:cNvSpPr txBox="1"/>
+          <p:nvPr/>
+        </p:nvSpPr>
+        <p:spPr>
+          <a:xfrm>
+            <a:off x="1241527" y="153579"/>
+            <a:ext cx="5541261" cy="707886"/>
+          </a:xfrm>
+          <a:prstGeom prst="rect">
+            <a:avLst/>
+          </a:prstGeom>
+          <a:noFill/>
+        </p:spPr>
+        <p:txBody>
+          <a:bodyPr wrap="none" rtlCol="0">
+            <a:spAutoFit/>
+          </a:bodyPr>
+          <a:lstStyle/>
+          <a:p>
+            <a:r>
+              <a:rPr lang="en-US" altLang="ko-KR" sz="4000" dirty="0">
+                <a:solidFill>
+                  <a:schemeClr val="bg1"/>
+                </a:solidFill>
+                <a:latin typeface="Georgia Pro Cond Light" panose="02040306050405020303" pitchFamily="18" charset="0"/>
+                <a:ea typeface="나눔고딕" panose="020D0604000000000000" pitchFamily="50" charset="-127"/>
+              </a:rPr>
+              <a:t>connect React with </a:t>
+            </a:r>
+            <a:r>
+              <a:rPr lang="en-US" altLang="ko-KR" sz="4000" dirty="0" err="1">
+                <a:solidFill>
+                  <a:schemeClr val="bg1"/>
+                </a:solidFill>
+                <a:latin typeface="Georgia Pro Cond Light" panose="02040306050405020303" pitchFamily="18" charset="0"/>
+                <a:ea typeface="나눔고딕" panose="020D0604000000000000" pitchFamily="50" charset="-127"/>
+              </a:rPr>
+              <a:t>NodeJs</a:t>
+            </a:r>
+            <a:endParaRPr lang="ko-KR" altLang="en-US" sz="4000" dirty="0">
+              <a:solidFill>
+                <a:schemeClr val="bg1"/>
+              </a:solidFill>
+              <a:latin typeface="Georgia Pro Cond Light" panose="02040306050405020303" pitchFamily="18" charset="0"/>
+              <a:ea typeface="나눔고딕" panose="020D0604000000000000" pitchFamily="50" charset="-127"/>
+            </a:endParaRPr>
+          </a:p>
+        </p:txBody>
+      </p:sp>
+      <p:pic>
+        <p:nvPicPr>
+          <p:cNvPr id="7170" name="Picture 2">
+            <a:extLst>
+              <a:ext uri="{FF2B5EF4-FFF2-40B4-BE49-F238E27FC236}">
+                <a16:creationId xmlns:a16="http://schemas.microsoft.com/office/drawing/2014/main" id="{8B130713-3656-4481-B25E-F8834D090B9E}"/>
+              </a:ext>
+            </a:extLst>
+          </p:cNvPr>
+          <p:cNvPicPr>
+            <a:picLocks noChangeAspect="1" noChangeArrowheads="1"/>
+          </p:cNvPicPr>
+          <p:nvPr/>
+        </p:nvPicPr>
+        <p:blipFill>
+          <a:blip r:embed="rId3">
+            <a:extLst>
+              <a:ext uri="{28A0092B-C50C-407E-A947-70E740481C1C}">
+                <a14:useLocalDpi xmlns:a14="http://schemas.microsoft.com/office/drawing/2010/main" val="0"/>
+              </a:ext>
+            </a:extLst>
+          </a:blip>
+          <a:srcRect/>
+          <a:stretch>
+            <a:fillRect/>
+          </a:stretch>
+        </p:blipFill>
+        <p:spPr bwMode="auto">
+          <a:xfrm>
+            <a:off x="890589" y="2392032"/>
+            <a:ext cx="3171824" cy="2263652"/>
+          </a:xfrm>
+          <a:prstGeom prst="rect">
+            <a:avLst/>
+          </a:prstGeom>
+          <a:noFill/>
+          <a:extLst>
+            <a:ext uri="{909E8E84-426E-40DD-AFC4-6F175D3DCCD1}">
+              <a14:hiddenFill xmlns:a14="http://schemas.microsoft.com/office/drawing/2010/main">
+                <a:solidFill>
+                  <a:srgbClr val="FFFFFF"/>
+                </a:solidFill>
+              </a14:hiddenFill>
+            </a:ext>
+          </a:extLst>
+        </p:spPr>
+      </p:pic>
+      <p:pic>
+        <p:nvPicPr>
+          <p:cNvPr id="7171" name="Picture 3">
+            <a:extLst>
+              <a:ext uri="{FF2B5EF4-FFF2-40B4-BE49-F238E27FC236}">
+                <a16:creationId xmlns:a16="http://schemas.microsoft.com/office/drawing/2014/main" id="{14898845-D3F3-448E-A5E0-0B12FF4EB238}"/>
+              </a:ext>
+            </a:extLst>
+          </p:cNvPr>
+          <p:cNvPicPr>
+            <a:picLocks noChangeAspect="1" noChangeArrowheads="1"/>
+          </p:cNvPicPr>
+          <p:nvPr/>
+        </p:nvPicPr>
+        <p:blipFill>
+          <a:blip r:embed="rId4">
+            <a:extLst>
+              <a:ext uri="{28A0092B-C50C-407E-A947-70E740481C1C}">
+                <a14:useLocalDpi xmlns:a14="http://schemas.microsoft.com/office/drawing/2010/main" val="0"/>
+              </a:ext>
+            </a:extLst>
+          </a:blip>
+          <a:srcRect/>
+          <a:stretch>
+            <a:fillRect/>
+          </a:stretch>
+        </p:blipFill>
+        <p:spPr bwMode="auto">
+          <a:xfrm>
+            <a:off x="7094731" y="2875836"/>
+            <a:ext cx="4300537" cy="1106328"/>
+          </a:xfrm>
+          <a:prstGeom prst="rect">
+            <a:avLst/>
+          </a:prstGeom>
+          <a:noFill/>
+          <a:extLst>
+            <a:ext uri="{909E8E84-426E-40DD-AFC4-6F175D3DCCD1}">
+              <a14:hiddenFill xmlns:a14="http://schemas.microsoft.com/office/drawing/2010/main">
+                <a:solidFill>
+                  <a:srgbClr val="FFFFFF"/>
+                </a:solidFill>
+              </a14:hiddenFill>
+            </a:ext>
+          </a:extLst>
+        </p:spPr>
+      </p:pic>
+      <p:pic>
+        <p:nvPicPr>
+          <p:cNvPr id="7172" name="Picture 4">
+            <a:extLst>
+              <a:ext uri="{FF2B5EF4-FFF2-40B4-BE49-F238E27FC236}">
+                <a16:creationId xmlns:a16="http://schemas.microsoft.com/office/drawing/2014/main" id="{00E89A08-2251-4FAC-B76A-DB66F3E82158}"/>
+              </a:ext>
+            </a:extLst>
+          </p:cNvPr>
+          <p:cNvPicPr>
+            <a:picLocks noChangeAspect="1" noChangeArrowheads="1"/>
+          </p:cNvPicPr>
+          <p:nvPr/>
+        </p:nvPicPr>
+        <p:blipFill>
+          <a:blip r:embed="rId5">
+            <a:extLst>
+              <a:ext uri="{28A0092B-C50C-407E-A947-70E740481C1C}">
+                <a14:useLocalDpi xmlns:a14="http://schemas.microsoft.com/office/drawing/2010/main" val="0"/>
+              </a:ext>
+            </a:extLst>
+          </a:blip>
+          <a:srcRect/>
+          <a:stretch>
+            <a:fillRect/>
+          </a:stretch>
+        </p:blipFill>
+        <p:spPr bwMode="auto">
+          <a:xfrm>
+            <a:off x="7094731" y="4313567"/>
+            <a:ext cx="3676650" cy="2143125"/>
+          </a:xfrm>
+          <a:prstGeom prst="rect">
+            <a:avLst/>
+          </a:prstGeom>
+          <a:noFill/>
+          <a:extLst>
+            <a:ext uri="{909E8E84-426E-40DD-AFC4-6F175D3DCCD1}">
+              <a14:hiddenFill xmlns:a14="http://schemas.microsoft.com/office/drawing/2010/main">
+                <a:solidFill>
+                  <a:srgbClr val="FFFFFF"/>
+                </a:solidFill>
+              </a14:hiddenFill>
+            </a:ext>
+          </a:extLst>
+        </p:spPr>
+      </p:pic>
+      <p:pic>
+        <p:nvPicPr>
+          <p:cNvPr id="7174" name="Picture 6">
+            <a:extLst>
+              <a:ext uri="{FF2B5EF4-FFF2-40B4-BE49-F238E27FC236}">
+                <a16:creationId xmlns:a16="http://schemas.microsoft.com/office/drawing/2014/main" id="{87782E26-9215-41FB-8FDE-7753846A5E24}"/>
+              </a:ext>
+            </a:extLst>
+          </p:cNvPr>
+          <p:cNvPicPr>
+            <a:picLocks noChangeAspect="1" noChangeArrowheads="1"/>
+          </p:cNvPicPr>
+          <p:nvPr/>
+        </p:nvPicPr>
+        <p:blipFill>
+          <a:blip r:embed="rId6">
+            <a:extLst>
+              <a:ext uri="{28A0092B-C50C-407E-A947-70E740481C1C}">
+                <a14:useLocalDpi xmlns:a14="http://schemas.microsoft.com/office/drawing/2010/main" val="0"/>
+              </a:ext>
+            </a:extLst>
+          </a:blip>
+          <a:srcRect/>
+          <a:stretch>
+            <a:fillRect/>
+          </a:stretch>
+        </p:blipFill>
+        <p:spPr bwMode="auto">
+          <a:xfrm>
+            <a:off x="505965" y="4543698"/>
+            <a:ext cx="3676650" cy="1838325"/>
+          </a:xfrm>
+          <a:prstGeom prst="rect">
+            <a:avLst/>
+          </a:prstGeom>
+          <a:noFill/>
+          <a:extLst>
+            <a:ext uri="{909E8E84-426E-40DD-AFC4-6F175D3DCCD1}">
+              <a14:hiddenFill xmlns:a14="http://schemas.microsoft.com/office/drawing/2010/main">
+                <a:solidFill>
+                  <a:srgbClr val="FFFFFF"/>
+                </a:solidFill>
+              </a14:hiddenFill>
+            </a:ext>
+          </a:extLst>
+        </p:spPr>
+      </p:pic>
+      <p:sp>
+        <p:nvSpPr>
+          <p:cNvPr id="18" name="화살표: 오른쪽 17">
+            <a:extLst>
+              <a:ext uri="{FF2B5EF4-FFF2-40B4-BE49-F238E27FC236}">
+                <a16:creationId xmlns:a16="http://schemas.microsoft.com/office/drawing/2014/main" id="{F0EC5155-89A5-491B-96BC-3AE6DB16B22C}"/>
+              </a:ext>
+            </a:extLst>
+          </p:cNvPr>
+          <p:cNvSpPr/>
+          <p:nvPr/>
+        </p:nvSpPr>
+        <p:spPr>
+          <a:xfrm>
+            <a:off x="4731803" y="3442215"/>
+            <a:ext cx="2220686" cy="871352"/>
+          </a:xfrm>
+          <a:prstGeom prst="rightArrow">
+            <a:avLst/>
+          </a:prstGeom>
+          <a:solidFill>
+            <a:schemeClr val="accent3">
+              <a:lumMod val="60000"/>
+              <a:lumOff val="40000"/>
+            </a:schemeClr>
+          </a:solidFill>
+          <a:ln w="57150">
+            <a:solidFill>
+              <a:schemeClr val="accent3">
+                <a:lumMod val="50000"/>
+              </a:schemeClr>
+            </a:solidFill>
+          </a:ln>
+        </p:spPr>
+        <p:style>
+          <a:lnRef idx="2">
+            <a:schemeClr val="accent1">
+              <a:shade val="50000"/>
+            </a:schemeClr>
+          </a:lnRef>
+          <a:fillRef idx="1">
+            <a:schemeClr val="accent1"/>
+          </a:fillRef>
+          <a:effectRef idx="0">
+            <a:schemeClr val="accent1"/>
+          </a:effectRef>
+          <a:fontRef idx="minor">
+            <a:schemeClr val="lt1"/>
+          </a:fontRef>
+        </p:style>
+        <p:txBody>
+          <a:bodyPr rtlCol="0" anchor="ctr"/>
+          <a:lstStyle/>
+          <a:p>
+            <a:pPr algn="ctr"/>
+            <a:endParaRPr lang="ko-KR" altLang="en-US"/>
+          </a:p>
+        </p:txBody>
+      </p:sp>
+      <p:sp>
+        <p:nvSpPr>
+          <p:cNvPr id="19" name="TextBox 18">
+            <a:extLst>
+              <a:ext uri="{FF2B5EF4-FFF2-40B4-BE49-F238E27FC236}">
+                <a16:creationId xmlns:a16="http://schemas.microsoft.com/office/drawing/2014/main" id="{5E45AB2C-5D38-434B-9324-BA8B1E44AFAC}"/>
+              </a:ext>
+            </a:extLst>
+          </p:cNvPr>
+          <p:cNvSpPr txBox="1"/>
+          <p:nvPr/>
+        </p:nvSpPr>
+        <p:spPr>
+          <a:xfrm>
+            <a:off x="4944630" y="3134941"/>
+            <a:ext cx="1567543" cy="461665"/>
+          </a:xfrm>
+          <a:prstGeom prst="rect">
+            <a:avLst/>
+          </a:prstGeom>
+          <a:noFill/>
+        </p:spPr>
+        <p:txBody>
+          <a:bodyPr wrap="square" rtlCol="0">
+            <a:spAutoFit/>
+          </a:bodyPr>
+          <a:lstStyle/>
+          <a:p>
+            <a:pPr algn="ctr"/>
+            <a:r>
+              <a:rPr lang="en-US" altLang="ko-KR" sz="2400" b="1" dirty="0" err="1">
+                <a:latin typeface="Georgia Pro Cond Light" panose="02040306050405020303" pitchFamily="18" charset="0"/>
+              </a:rPr>
+              <a:t>Res.send</a:t>
+            </a:r>
+            <a:r>
+              <a:rPr lang="en-US" altLang="ko-KR" sz="2400" b="1" dirty="0">
+                <a:latin typeface="Georgia Pro Cond Light" panose="02040306050405020303" pitchFamily="18" charset="0"/>
+              </a:rPr>
+              <a:t>()</a:t>
+            </a:r>
+            <a:endParaRPr lang="ko-KR" altLang="en-US" sz="2400" b="1" dirty="0">
+              <a:latin typeface="Georgia Pro Cond Light" panose="02040306050405020303" pitchFamily="18" charset="0"/>
+            </a:endParaRPr>
+          </a:p>
+        </p:txBody>
+      </p:sp>
+    </p:spTree>
+    <p:extLst>
+      <p:ext uri="{BB962C8B-B14F-4D97-AF65-F5344CB8AC3E}">
+        <p14:creationId xmlns:p14="http://schemas.microsoft.com/office/powerpoint/2010/main" val="1080615502"/>
       </p:ext>
     </p:extLst>
   </p:cSld>
